--- a/slides/ppt/11_Threads.pptx
+++ b/slides/ppt/11_Threads.pptx
@@ -6,11 +6,11 @@
   </p:sldMasterIdLst>
   <p:sldIdLst>
     <p:sldId id="256" r:id="rId2"/>
-    <p:sldId id="263" r:id="rId3"/>
-    <p:sldId id="268" r:id="rId4"/>
-    <p:sldId id="298" r:id="rId5"/>
-    <p:sldId id="261" r:id="rId6"/>
-    <p:sldId id="299" r:id="rId7"/>
+    <p:sldId id="298" r:id="rId3"/>
+    <p:sldId id="261" r:id="rId4"/>
+    <p:sldId id="299" r:id="rId5"/>
+    <p:sldId id="263" r:id="rId6"/>
+    <p:sldId id="268" r:id="rId7"/>
     <p:sldId id="300" r:id="rId8"/>
     <p:sldId id="258" r:id="rId9"/>
     <p:sldId id="259" r:id="rId10"/>
@@ -24,18 +24,18 @@
     <p:sldId id="278" r:id="rId18"/>
     <p:sldId id="275" r:id="rId19"/>
     <p:sldId id="279" r:id="rId20"/>
-    <p:sldId id="276" r:id="rId21"/>
-    <p:sldId id="305" r:id="rId22"/>
-    <p:sldId id="304" r:id="rId23"/>
-    <p:sldId id="280" r:id="rId24"/>
-    <p:sldId id="281" r:id="rId25"/>
-    <p:sldId id="283" r:id="rId26"/>
-    <p:sldId id="286" r:id="rId27"/>
-    <p:sldId id="282" r:id="rId28"/>
-    <p:sldId id="285" r:id="rId29"/>
-    <p:sldId id="289" r:id="rId30"/>
-    <p:sldId id="288" r:id="rId31"/>
-    <p:sldId id="303" r:id="rId32"/>
+    <p:sldId id="305" r:id="rId21"/>
+    <p:sldId id="289" r:id="rId22"/>
+    <p:sldId id="288" r:id="rId23"/>
+    <p:sldId id="303" r:id="rId24"/>
+    <p:sldId id="304" r:id="rId25"/>
+    <p:sldId id="307" r:id="rId26"/>
+    <p:sldId id="280" r:id="rId27"/>
+    <p:sldId id="281" r:id="rId28"/>
+    <p:sldId id="283" r:id="rId29"/>
+    <p:sldId id="286" r:id="rId30"/>
+    <p:sldId id="282" r:id="rId31"/>
+    <p:sldId id="285" r:id="rId32"/>
     <p:sldId id="292" r:id="rId33"/>
     <p:sldId id="294" r:id="rId34"/>
     <p:sldId id="290" r:id="rId35"/>
@@ -3268,26 +3268,14 @@
             </a:r>
             <a:r>
               <a:rPr lang="en-US" dirty="0"/>
-              <a:t> (i.e. in another thread)</a:t>
+              <a:t> (i.e. in another thread) and eventually use multiple CPU cores for saving time</a:t>
             </a:r>
           </a:p>
           <a:p>
             <a:pPr lvl="1"/>
             <a:r>
-              <a:rPr lang="mr-IN" dirty="0"/>
-              <a:t>…</a:t>
-            </a:r>
-            <a:r>
-              <a:rPr lang="it-IT" dirty="0"/>
-              <a:t>a</a:t>
-            </a:r>
-            <a:r>
-              <a:rPr lang="en-US" dirty="0" err="1"/>
-              <a:t>ll</a:t>
-            </a:r>
-            <a:r>
-              <a:rPr lang="en-US" dirty="0"/>
-              <a:t> while the user is interacting with the application and awaiting for eventual notifications (remember your phone?)</a:t>
+              <a:rPr lang="en-US" dirty="0"/>
+              <a:t>the user can enjoy a responsive GUI while awaiting for eventual notifications (buy/sell signals)</a:t>
             </a:r>
           </a:p>
           <a:p>
@@ -3490,7 +3478,7 @@
                   <a:srgbClr val="E46C0A"/>
                 </a:solidFill>
               </a:rPr>
-              <a:t>development is painful</a:t>
+              <a:t>development is often painful</a:t>
             </a:r>
           </a:p>
           <a:p>
@@ -3669,7 +3657,7 @@
           <a:p>
             <a:r>
               <a:rPr lang="en-US" dirty="0"/>
-              <a:t>Creating a Thread</a:t>
+              <a:t>Creating a Process</a:t>
             </a:r>
           </a:p>
         </p:txBody>
@@ -3687,90 +3675,129 @@
         <p:spPr/>
         <p:txBody>
           <a:bodyPr>
-            <a:normAutofit/>
+            <a:normAutofit fontScale="92500" lnSpcReduction="10000"/>
           </a:bodyPr>
           <a:lstStyle/>
           <a:p>
             <a:r>
-              <a:rPr lang="en-US" dirty="0">
+              <a:rPr lang="en-US" sz="2400" dirty="0">
                 <a:solidFill>
                   <a:schemeClr val="accent6">
                     <a:lumMod val="75000"/>
                   </a:schemeClr>
                 </a:solidFill>
+                <a:latin typeface="Calibri" panose="020F0502020204030204" pitchFamily="34" charset="0"/>
+                <a:cs typeface="Calibri" panose="020F0502020204030204" pitchFamily="34" charset="0"/>
               </a:rPr>
               <a:t>In Java it is not possible to explicitly call the </a:t>
             </a:r>
             <a:r>
-              <a:rPr lang="en-US" dirty="0" err="1">
+              <a:rPr lang="en-US" sz="2400" dirty="0" err="1">
                 <a:solidFill>
                   <a:schemeClr val="accent6">
                     <a:lumMod val="75000"/>
                   </a:schemeClr>
                 </a:solidFill>
+                <a:latin typeface="Calibri" panose="020F0502020204030204" pitchFamily="34" charset="0"/>
+                <a:cs typeface="Calibri" panose="020F0502020204030204" pitchFamily="34" charset="0"/>
               </a:rPr>
               <a:t>syscall</a:t>
             </a:r>
             <a:r>
-              <a:rPr lang="en-US" dirty="0">
+              <a:rPr lang="en-US" sz="2400" dirty="0">
                 <a:solidFill>
                   <a:schemeClr val="accent6">
                     <a:lumMod val="75000"/>
                   </a:schemeClr>
                 </a:solidFill>
+                <a:latin typeface="Calibri" panose="020F0502020204030204" pitchFamily="34" charset="0"/>
+                <a:cs typeface="Calibri" panose="020F0502020204030204" pitchFamily="34" charset="0"/>
               </a:rPr>
               <a:t> fork() as in C. </a:t>
             </a:r>
             <a:r>
-              <a:rPr lang="en-US" dirty="0" err="1"/>
+              <a:rPr lang="en-US" sz="2400" dirty="0" err="1">
+                <a:latin typeface="Calibri" panose="020F0502020204030204" pitchFamily="34" charset="0"/>
+                <a:cs typeface="Calibri" panose="020F0502020204030204" pitchFamily="34" charset="0"/>
+              </a:rPr>
               <a:t>Syscalls</a:t>
             </a:r>
             <a:r>
-              <a:rPr lang="en-US" dirty="0"/>
-              <a:t> fork() and exec() can be jointly used as:</a:t>
-            </a:r>
-          </a:p>
-          <a:p>
-            <a:endParaRPr lang="en-US" dirty="0"/>
+              <a:rPr lang="en-US" sz="2400" dirty="0">
+                <a:latin typeface="Calibri" panose="020F0502020204030204" pitchFamily="34" charset="0"/>
+                <a:cs typeface="Calibri" panose="020F0502020204030204" pitchFamily="34" charset="0"/>
+              </a:rPr>
+              <a:t> fork() and exec() can be jointly via the Process Class</a:t>
+            </a:r>
+          </a:p>
+          <a:p>
+            <a:r>
+              <a:rPr lang="en-US" sz="2400" dirty="0">
+                <a:latin typeface="Calibri" panose="020F0502020204030204" pitchFamily="34" charset="0"/>
+                <a:cs typeface="Calibri" panose="020F0502020204030204" pitchFamily="34" charset="0"/>
+              </a:rPr>
+              <a:t>Methods of Process Class also allow developers to acquire standard input, output, error, and exit value</a:t>
+            </a:r>
           </a:p>
           <a:p>
             <a:pPr marL="0" indent="0">
               <a:buNone/>
             </a:pPr>
+            <a:endParaRPr lang="en-US" sz="1800" dirty="0">
+              <a:latin typeface="Consolas" panose="020B0609020204030204" pitchFamily="49" charset="0"/>
+              <a:cs typeface="Consolas" panose="020B0609020204030204" pitchFamily="49" charset="0"/>
+            </a:endParaRPr>
+          </a:p>
+          <a:p>
+            <a:pPr marL="0" indent="0">
+              <a:buNone/>
+            </a:pPr>
             <a:r>
               <a:rPr lang="en-US" sz="1800" dirty="0">
-                <a:latin typeface="Consolas"/>
-                <a:cs typeface="Consolas"/>
-              </a:rPr>
-              <a:t>Process p = </a:t>
+                <a:latin typeface="Consolas" panose="020B0609020204030204" pitchFamily="49" charset="0"/>
+                <a:cs typeface="Consolas" panose="020B0609020204030204" pitchFamily="49" charset="0"/>
+              </a:rPr>
+              <a:t>/* Process p = </a:t>
             </a:r>
             <a:r>
               <a:rPr lang="en-US" sz="1800" dirty="0" err="1">
-                <a:latin typeface="Consolas"/>
-                <a:cs typeface="Consolas"/>
+                <a:latin typeface="Consolas" panose="020B0609020204030204" pitchFamily="49" charset="0"/>
+                <a:cs typeface="Consolas" panose="020B0609020204030204" pitchFamily="49" charset="0"/>
               </a:rPr>
               <a:t>Runtime.getRuntime</a:t>
             </a:r>
             <a:r>
               <a:rPr lang="en-US" sz="1800" dirty="0">
-                <a:latin typeface="Consolas"/>
-                <a:cs typeface="Consolas"/>
-              </a:rPr>
-              <a:t>().exec("/bin/</a:t>
+                <a:latin typeface="Consolas" panose="020B0609020204030204" pitchFamily="49" charset="0"/>
+                <a:cs typeface="Consolas" panose="020B0609020204030204" pitchFamily="49" charset="0"/>
+              </a:rPr>
+              <a:t>().exec("/bin/ls -al /"); */</a:t>
+            </a:r>
+          </a:p>
+          <a:p>
+            <a:pPr marL="0" indent="0">
+              <a:buNone/>
+            </a:pPr>
+            <a:r>
+              <a:rPr lang="en-US" sz="1800" dirty="0">
+                <a:latin typeface="Consolas" panose="020B0609020204030204" pitchFamily="49" charset="0"/>
+                <a:cs typeface="Consolas" panose="020B0609020204030204" pitchFamily="49" charset="0"/>
+              </a:rPr>
+              <a:t>Process p = (new </a:t>
             </a:r>
             <a:r>
               <a:rPr lang="en-US" sz="1800" dirty="0" err="1">
-                <a:latin typeface="Consolas"/>
-                <a:cs typeface="Consolas"/>
-              </a:rPr>
-              <a:t>ls</a:t>
+                <a:latin typeface="Consolas" panose="020B0609020204030204" pitchFamily="49" charset="0"/>
+                <a:cs typeface="Consolas" panose="020B0609020204030204" pitchFamily="49" charset="0"/>
+              </a:rPr>
+              <a:t>ProcessBuilder</a:t>
             </a:r>
             <a:r>
               <a:rPr lang="en-US" sz="1800" dirty="0">
-                <a:latin typeface="Consolas"/>
-                <a:cs typeface="Consolas"/>
-              </a:rPr>
-              <a:t> -a -l");</a:t>
+                <a:latin typeface="Consolas" panose="020B0609020204030204" pitchFamily="49" charset="0"/>
+                <a:cs typeface="Consolas" panose="020B0609020204030204" pitchFamily="49" charset="0"/>
+              </a:rPr>
+              <a:t>("/bin/ls", "-al", "/")).start();</a:t>
             </a:r>
           </a:p>
           <a:p>
@@ -3778,8 +3805,8 @@
               <a:buNone/>
             </a:pPr>
             <a:endParaRPr lang="en-US" sz="1800" dirty="0">
-              <a:latin typeface="Consolas"/>
-              <a:cs typeface="Consolas"/>
+              <a:latin typeface="Consolas" panose="020B0609020204030204" pitchFamily="49" charset="0"/>
+              <a:cs typeface="Consolas" panose="020B0609020204030204" pitchFamily="49" charset="0"/>
             </a:endParaRPr>
           </a:p>
           <a:p>
@@ -3787,11 +3814,32 @@
               <a:buNone/>
             </a:pPr>
             <a:r>
+              <a:rPr lang="en-US" sz="1800" dirty="0" err="1">
+                <a:latin typeface="Consolas" panose="020B0609020204030204" pitchFamily="49" charset="0"/>
+                <a:cs typeface="Consolas" panose="020B0609020204030204" pitchFamily="49" charset="0"/>
+              </a:rPr>
+              <a:t>BufferedReader</a:t>
+            </a:r>
+            <a:r>
               <a:rPr lang="en-US" sz="1800" dirty="0">
-                <a:latin typeface="Consolas"/>
-                <a:cs typeface="Consolas"/>
-              </a:rPr>
-              <a:t>Or, alternatively</a:t>
+                <a:latin typeface="Consolas" panose="020B0609020204030204" pitchFamily="49" charset="0"/>
+                <a:cs typeface="Consolas" panose="020B0609020204030204" pitchFamily="49" charset="0"/>
+              </a:rPr>
+              <a:t> in = new </a:t>
+            </a:r>
+            <a:r>
+              <a:rPr lang="en-US" sz="1800" dirty="0" err="1">
+                <a:latin typeface="Consolas" panose="020B0609020204030204" pitchFamily="49" charset="0"/>
+                <a:cs typeface="Consolas" panose="020B0609020204030204" pitchFamily="49" charset="0"/>
+              </a:rPr>
+              <a:t>BufferedReader</a:t>
+            </a:r>
+            <a:r>
+              <a:rPr lang="en-US" sz="1800" dirty="0">
+                <a:latin typeface="Consolas" panose="020B0609020204030204" pitchFamily="49" charset="0"/>
+                <a:cs typeface="Consolas" panose="020B0609020204030204" pitchFamily="49" charset="0"/>
+              </a:rPr>
+              <a:t>(new</a:t>
             </a:r>
           </a:p>
           <a:p>
@@ -3800,43 +3848,155 @@
             </a:pPr>
             <a:r>
               <a:rPr lang="en-US" sz="1800" dirty="0">
-                <a:latin typeface="Consolas"/>
-                <a:cs typeface="Consolas"/>
-              </a:rPr>
-              <a:t>Process p = (new </a:t>
+                <a:latin typeface="Consolas" panose="020B0609020204030204" pitchFamily="49" charset="0"/>
+                <a:cs typeface="Consolas" panose="020B0609020204030204" pitchFamily="49" charset="0"/>
+              </a:rPr>
+              <a:t>	</a:t>
             </a:r>
             <a:r>
               <a:rPr lang="en-US" sz="1800" dirty="0" err="1">
-                <a:latin typeface="Consolas"/>
-                <a:cs typeface="Consolas"/>
-              </a:rPr>
-              <a:t>ProcessBuilder</a:t>
+                <a:latin typeface="Consolas" panose="020B0609020204030204" pitchFamily="49" charset="0"/>
+                <a:cs typeface="Consolas" panose="020B0609020204030204" pitchFamily="49" charset="0"/>
+              </a:rPr>
+              <a:t>InputStreamReader</a:t>
             </a:r>
             <a:r>
               <a:rPr lang="en-US" sz="1800" dirty="0">
-                <a:latin typeface="Consolas"/>
-                <a:cs typeface="Consolas"/>
-              </a:rPr>
-              <a:t>("/bin/</a:t>
+                <a:latin typeface="Consolas" panose="020B0609020204030204" pitchFamily="49" charset="0"/>
+                <a:cs typeface="Consolas" panose="020B0609020204030204" pitchFamily="49" charset="0"/>
+              </a:rPr>
+              <a:t>(</a:t>
             </a:r>
             <a:r>
               <a:rPr lang="en-US" sz="1800" dirty="0" err="1">
-                <a:latin typeface="Consolas"/>
-                <a:cs typeface="Consolas"/>
-              </a:rPr>
-              <a:t>ls</a:t>
+                <a:latin typeface="Consolas" panose="020B0609020204030204" pitchFamily="49" charset="0"/>
+                <a:cs typeface="Consolas" panose="020B0609020204030204" pitchFamily="49" charset="0"/>
+              </a:rPr>
+              <a:t>p.getInputStream</a:t>
             </a:r>
             <a:r>
               <a:rPr lang="en-US" sz="1800" dirty="0">
-                <a:latin typeface="Consolas"/>
-                <a:cs typeface="Consolas"/>
-              </a:rPr>
-              <a:t>", "-a", "-l")).start()</a:t>
-            </a:r>
-            <a:endParaRPr lang="mr-IN" sz="1800" dirty="0">
-              <a:latin typeface="Consolas"/>
-              <a:cs typeface="Consolas"/>
-            </a:endParaRPr>
+                <a:latin typeface="Consolas" panose="020B0609020204030204" pitchFamily="49" charset="0"/>
+                <a:cs typeface="Consolas" panose="020B0609020204030204" pitchFamily="49" charset="0"/>
+              </a:rPr>
+              <a:t>()));</a:t>
+            </a:r>
+          </a:p>
+          <a:p>
+            <a:pPr marL="0" indent="0">
+              <a:buNone/>
+            </a:pPr>
+            <a:r>
+              <a:rPr lang="en-US" sz="1800" dirty="0">
+                <a:latin typeface="Consolas" panose="020B0609020204030204" pitchFamily="49" charset="0"/>
+                <a:cs typeface="Consolas" panose="020B0609020204030204" pitchFamily="49" charset="0"/>
+              </a:rPr>
+              <a:t>while ((line = </a:t>
+            </a:r>
+            <a:r>
+              <a:rPr lang="en-US" sz="1800" dirty="0" err="1">
+                <a:latin typeface="Consolas" panose="020B0609020204030204" pitchFamily="49" charset="0"/>
+                <a:cs typeface="Consolas" panose="020B0609020204030204" pitchFamily="49" charset="0"/>
+              </a:rPr>
+              <a:t>in.readLine</a:t>
+            </a:r>
+            <a:r>
+              <a:rPr lang="en-US" sz="1800" dirty="0">
+                <a:latin typeface="Consolas" panose="020B0609020204030204" pitchFamily="49" charset="0"/>
+                <a:cs typeface="Consolas" panose="020B0609020204030204" pitchFamily="49" charset="0"/>
+              </a:rPr>
+              <a:t>()) != null) {</a:t>
+            </a:r>
+          </a:p>
+          <a:p>
+            <a:pPr marL="0" indent="0">
+              <a:buNone/>
+            </a:pPr>
+            <a:r>
+              <a:rPr lang="en-US" sz="1800" dirty="0">
+                <a:latin typeface="Consolas" panose="020B0609020204030204" pitchFamily="49" charset="0"/>
+                <a:cs typeface="Consolas" panose="020B0609020204030204" pitchFamily="49" charset="0"/>
+              </a:rPr>
+              <a:t>	</a:t>
+            </a:r>
+            <a:r>
+              <a:rPr lang="en-US" sz="1800" dirty="0" err="1">
+                <a:latin typeface="Consolas" panose="020B0609020204030204" pitchFamily="49" charset="0"/>
+                <a:cs typeface="Consolas" panose="020B0609020204030204" pitchFamily="49" charset="0"/>
+              </a:rPr>
+              <a:t>System.out.println</a:t>
+            </a:r>
+            <a:r>
+              <a:rPr lang="en-US" sz="1800" dirty="0">
+                <a:latin typeface="Consolas" panose="020B0609020204030204" pitchFamily="49" charset="0"/>
+                <a:cs typeface="Consolas" panose="020B0609020204030204" pitchFamily="49" charset="0"/>
+              </a:rPr>
+              <a:t>(line);</a:t>
+            </a:r>
+          </a:p>
+          <a:p>
+            <a:pPr marL="0" indent="0">
+              <a:buNone/>
+            </a:pPr>
+            <a:r>
+              <a:rPr lang="en-US" sz="1800" dirty="0">
+                <a:latin typeface="Consolas" panose="020B0609020204030204" pitchFamily="49" charset="0"/>
+                <a:cs typeface="Consolas" panose="020B0609020204030204" pitchFamily="49" charset="0"/>
+              </a:rPr>
+              <a:t>}</a:t>
+            </a:r>
+          </a:p>
+          <a:p>
+            <a:pPr marL="0" indent="0">
+              <a:buNone/>
+            </a:pPr>
+            <a:r>
+              <a:rPr lang="en-US" sz="1800" dirty="0" err="1">
+                <a:latin typeface="Consolas" panose="020B0609020204030204" pitchFamily="49" charset="0"/>
+                <a:cs typeface="Consolas" panose="020B0609020204030204" pitchFamily="49" charset="0"/>
+              </a:rPr>
+              <a:t>in.close</a:t>
+            </a:r>
+            <a:r>
+              <a:rPr lang="en-US" sz="1800" dirty="0">
+                <a:latin typeface="Consolas" panose="020B0609020204030204" pitchFamily="49" charset="0"/>
+                <a:cs typeface="Consolas" panose="020B0609020204030204" pitchFamily="49" charset="0"/>
+              </a:rPr>
+              <a:t>();</a:t>
+            </a:r>
+          </a:p>
+          <a:p>
+            <a:pPr marL="0" indent="0">
+              <a:buNone/>
+            </a:pPr>
+            <a:r>
+              <a:rPr lang="en-US" sz="1800" dirty="0" err="1">
+                <a:latin typeface="Consolas" panose="020B0609020204030204" pitchFamily="49" charset="0"/>
+                <a:cs typeface="Consolas" panose="020B0609020204030204" pitchFamily="49" charset="0"/>
+              </a:rPr>
+              <a:t>System.out.println</a:t>
+            </a:r>
+            <a:r>
+              <a:rPr lang="en-US" sz="1800" dirty="0">
+                <a:latin typeface="Consolas" panose="020B0609020204030204" pitchFamily="49" charset="0"/>
+                <a:cs typeface="Consolas" panose="020B0609020204030204" pitchFamily="49" charset="0"/>
+              </a:rPr>
+              <a:t>(</a:t>
+            </a:r>
+            <a:r>
+              <a:rPr lang="en-US" sz="1800" dirty="0" err="1">
+                <a:latin typeface="Consolas" panose="020B0609020204030204" pitchFamily="49" charset="0"/>
+                <a:cs typeface="Consolas" panose="020B0609020204030204" pitchFamily="49" charset="0"/>
+              </a:rPr>
+              <a:t>p.exitValue</a:t>
+            </a:r>
+            <a:r>
+              <a:rPr lang="en-US" sz="1800" dirty="0">
+                <a:latin typeface="Consolas" panose="020B0609020204030204" pitchFamily="49" charset="0"/>
+                <a:cs typeface="Consolas" panose="020B0609020204030204" pitchFamily="49" charset="0"/>
+              </a:rPr>
+              <a:t>());</a:t>
+            </a:r>
           </a:p>
         </p:txBody>
       </p:sp>
@@ -3926,14 +4086,7 @@
             </a:r>
             <a:r>
               <a:rPr lang="en-US" dirty="0"/>
-              <a:t>and overriding its run() method.</a:t>
-            </a:r>
-          </a:p>
-          <a:p>
-            <a:pPr lvl="1"/>
-            <a:r>
-              <a:rPr lang="en-US" dirty="0"/>
-              <a:t>passing to the </a:t>
+              <a:t>and </a:t>
             </a:r>
             <a:r>
               <a:rPr lang="en-US" dirty="0">
@@ -3943,29 +4096,56 @@
                   </a:schemeClr>
                 </a:solidFill>
               </a:rPr>
-              <a:t>Thread class constructor </a:t>
-            </a:r>
-            <a:r>
-              <a:rPr lang="en-US" dirty="0"/>
-              <a:t>an object implementing the </a:t>
+              <a:t>overriding its run() method</a:t>
+            </a:r>
+            <a:endParaRPr lang="en-US" dirty="0"/>
+          </a:p>
+          <a:p>
+            <a:pPr lvl="1"/>
+            <a:r>
+              <a:rPr lang="en-US" dirty="0"/>
+              <a:t>passing to the </a:t>
             </a:r>
             <a:r>
               <a:rPr lang="en-US" dirty="0">
                 <a:solidFill>
-                  <a:srgbClr val="E46C0A"/>
+                  <a:schemeClr val="accent6">
+                    <a:lumMod val="75000"/>
+                  </a:schemeClr>
                 </a:solidFill>
               </a:rPr>
-              <a:t>Runnable Interface</a:t>
-            </a:r>
-            <a:r>
-              <a:rPr lang="en-US" dirty="0"/>
-              <a:t>.</a:t>
-            </a:r>
-          </a:p>
-          <a:p>
-            <a:r>
-              <a:rPr lang="en-US" dirty="0"/>
-              <a:t>It is legal to create many threads using the same Runnable object as the target.</a:t>
+              <a:t>Thread class constructor </a:t>
+            </a:r>
+            <a:r>
+              <a:rPr lang="en-US" dirty="0"/>
+              <a:t>an object implementing the </a:t>
+            </a:r>
+            <a:r>
+              <a:rPr lang="en-US" dirty="0" err="1">
+                <a:solidFill>
+                  <a:schemeClr val="accent6">
+                    <a:lumMod val="75000"/>
+                  </a:schemeClr>
+                </a:solidFill>
+              </a:rPr>
+              <a:t>java.lang.Runnable</a:t>
+            </a:r>
+            <a:r>
+              <a:rPr lang="en-US" dirty="0">
+                <a:solidFill>
+                  <a:schemeClr val="accent6">
+                    <a:lumMod val="75000"/>
+                  </a:schemeClr>
+                </a:solidFill>
+              </a:rPr>
+              <a:t> Interface</a:t>
+            </a:r>
+            <a:endParaRPr lang="en-US" dirty="0"/>
+          </a:p>
+          <a:p>
+            <a:r>
+              <a:rPr lang="en-US" dirty="0"/>
+              <a:t>It is legal to create many threads using the same Runnable object as the target</a:t>
             </a:r>
           </a:p>
           <a:p>
@@ -4160,10 +4340,12 @@
             <a:r>
               <a:rPr lang="en-US" dirty="0">
                 <a:solidFill>
-                  <a:srgbClr val="008000"/>
+                  <a:schemeClr val="accent6">
+                    <a:lumMod val="75000"/>
+                  </a:schemeClr>
                 </a:solidFill>
               </a:rPr>
-              <a:t>Implementing Runnable interface (usually better)</a:t>
+              <a:t>Implementing Runnable interface</a:t>
             </a:r>
           </a:p>
           <a:p>
@@ -4871,7 +5053,7 @@
                   <a:srgbClr val="E46C0A"/>
                 </a:solidFill>
               </a:rPr>
-              <a:t>Each thread will start and will run to completion after acquiring the CPU a finite number of times (hopefully)</a:t>
+              <a:t>Each thread will start and will run to completion after acquiring the CPU a finite number of times</a:t>
             </a:r>
           </a:p>
           <a:p>
@@ -4926,7 +5108,7 @@
           <a:p>
             <a:r>
               <a:rPr lang="en-US" dirty="0"/>
-              <a:t>JVM and Operating System</a:t>
+              <a:t>Processes</a:t>
             </a:r>
           </a:p>
         </p:txBody>
@@ -4944,19 +5126,13 @@
         <p:spPr/>
         <p:txBody>
           <a:bodyPr>
-            <a:normAutofit fontScale="92500"/>
+            <a:normAutofit fontScale="92500" lnSpcReduction="10000"/>
           </a:bodyPr>
           <a:lstStyle/>
           <a:p>
             <a:r>
               <a:rPr lang="en-US" dirty="0"/>
-              <a:t>A multitasking	operating	system	assigns	CPU time (slices) to threads</a:t>
-            </a:r>
-          </a:p>
-          <a:p>
-            <a:r>
-              <a:rPr lang="en-US" dirty="0"/>
-              <a:t>Small time-slices (20ms) provide the </a:t>
+              <a:t>In operating systems (OS), </a:t>
             </a:r>
             <a:r>
               <a:rPr lang="en-US" dirty="0">
@@ -4964,11 +5140,13 @@
                   <a:srgbClr val="E46C0A"/>
                 </a:solidFill>
               </a:rPr>
-              <a:t>illusion of parallelism </a:t>
-            </a:r>
-            <a:r>
-              <a:rPr lang="en-US" dirty="0"/>
-              <a:t>(on multi-core machines it is a partial illusion)</a:t>
+              <a:t>a process is an instance of a running application</a:t>
+            </a:r>
+          </a:p>
+          <a:p>
+            <a:r>
+              <a:rPr lang="en-US" dirty="0"/>
+              <a:t>A  process has it own private address space, code,  data, opened files, PID, etc..</a:t>
             </a:r>
           </a:p>
           <a:p>
@@ -4978,36 +5156,31 @@
                   <a:srgbClr val="E46C0A"/>
                 </a:solidFill>
               </a:rPr>
-              <a:t>OS is preemptive</a:t>
-            </a:r>
-            <a:r>
-              <a:rPr lang="en-US" dirty="0"/>
-              <a:t>, if a thread is executed until </a:t>
-            </a:r>
-          </a:p>
-          <a:p>
-            <a:pPr lvl="1"/>
+              <a:t>Processes do not share memory </a:t>
+            </a:r>
+            <a:r>
+              <a:rPr lang="en-US" dirty="0"/>
+              <a:t>(separate address spaces), thus they have to communicate through IPC mechanisms offered by the OS (i.e., pipes, signals)</a:t>
+            </a:r>
+          </a:p>
+          <a:p>
+            <a:r>
+              <a:rPr lang="en-US" dirty="0"/>
+              <a:t>A </a:t>
+            </a:r>
             <a:r>
               <a:rPr lang="en-US" dirty="0">
                 <a:solidFill>
-                  <a:srgbClr val="E46C0A"/>
+                  <a:schemeClr val="accent6">
+                    <a:lumMod val="75000"/>
+                  </a:schemeClr>
                 </a:solidFill>
               </a:rPr>
-              <a:t>time slice is over or it ends its execution</a:t>
-            </a:r>
-          </a:p>
-          <a:p>
-            <a:pPr lvl="1"/>
-            <a:r>
-              <a:rPr lang="en-US" dirty="0"/>
-              <a:t>it blocks (synchronization with threads or resources) </a:t>
-            </a:r>
-          </a:p>
-          <a:p>
-            <a:pPr lvl="1"/>
-            <a:r>
-              <a:rPr lang="en-US" dirty="0"/>
-              <a:t>another thread acquires more priority</a:t>
+              <a:t>process might contain one or more threads   </a:t>
+            </a:r>
+            <a:r>
+              <a:rPr lang="en-US" dirty="0"/>
+              <a:t>running within the context of the process</a:t>
             </a:r>
           </a:p>
           <a:p>
@@ -5024,7 +5197,7 @@
     </p:spTree>
     <p:extLst>
       <p:ext uri="{BB962C8B-B14F-4D97-AF65-F5344CB8AC3E}">
-        <p14:creationId xmlns:p14="http://schemas.microsoft.com/office/powerpoint/2010/main" val="1454361162"/>
+        <p14:creationId xmlns:p14="http://schemas.microsoft.com/office/powerpoint/2010/main" val="2022856500"/>
       </p:ext>
     </p:extLst>
   </p:cSld>
@@ -5068,75 +5241,44 @@
           <a:p>
             <a:r>
               <a:rPr lang="en-US" dirty="0"/>
-              <a:t>Starting a Thread, examples</a:t>
-            </a:r>
-          </a:p>
-        </p:txBody>
-      </p:sp>
-      <p:pic>
-        <p:nvPicPr>
-          <p:cNvPr id="3" name="Picture 2" descr="thread-creation.jpg"/>
-          <p:cNvPicPr>
-            <a:picLocks noChangeAspect="1"/>
-          </p:cNvPicPr>
+              <a:t>Starting a Thread</a:t>
+            </a:r>
+          </a:p>
+        </p:txBody>
+      </p:sp>
+      <p:sp>
+        <p:nvSpPr>
+          <p:cNvPr id="5" name="object 7"/>
+          <p:cNvSpPr/>
           <p:nvPr/>
-        </p:nvPicPr>
-        <p:blipFill>
-          <a:blip r:embed="rId2">
-            <a:extLst>
-              <a:ext uri="{28A0092B-C50C-407E-A947-70E740481C1C}">
-                <a14:useLocalDpi xmlns:a14="http://schemas.microsoft.com/office/drawing/2010/main" val="0"/>
-              </a:ext>
-            </a:extLst>
-          </a:blip>
-          <a:stretch>
-            <a:fillRect/>
-          </a:stretch>
-        </p:blipFill>
+        </p:nvSpPr>
         <p:spPr>
           <a:xfrm>
-            <a:off x="438150" y="2628900"/>
-            <a:ext cx="2933700" cy="2159000"/>
+            <a:off x="734159" y="1749792"/>
+            <a:ext cx="7628304" cy="4256698"/>
           </a:xfrm>
           <a:prstGeom prst="rect">
             <a:avLst/>
           </a:prstGeom>
+          <a:blipFill>
+            <a:blip r:embed="rId2" cstate="print"/>
+            <a:stretch>
+              <a:fillRect/>
+            </a:stretch>
+          </a:blipFill>
         </p:spPr>
-      </p:pic>
-      <p:pic>
-        <p:nvPicPr>
-          <p:cNvPr id="4" name="Picture 3" descr="thread-creation-1.jpg"/>
-          <p:cNvPicPr>
-            <a:picLocks noChangeAspect="1"/>
-          </p:cNvPicPr>
-          <p:nvPr/>
-        </p:nvPicPr>
-        <p:blipFill>
-          <a:blip r:embed="rId3">
-            <a:extLst>
-              <a:ext uri="{28A0092B-C50C-407E-A947-70E740481C1C}">
-                <a14:useLocalDpi xmlns:a14="http://schemas.microsoft.com/office/drawing/2010/main" val="0"/>
-              </a:ext>
-            </a:extLst>
-          </a:blip>
-          <a:stretch>
-            <a:fillRect/>
-          </a:stretch>
-        </p:blipFill>
-        <p:spPr>
-          <a:xfrm>
-            <a:off x="3683000" y="2374900"/>
-            <a:ext cx="5105400" cy="2438400"/>
-          </a:xfrm>
-          <a:prstGeom prst="rect">
-            <a:avLst/>
-          </a:prstGeom>
-        </p:spPr>
-      </p:pic>
+        <p:txBody>
+          <a:bodyPr wrap="square" lIns="0" tIns="0" rIns="0" bIns="0" rtlCol="0"/>
+          <a:lstStyle/>
+          <a:p>
+            <a:endParaRPr/>
+          </a:p>
+        </p:txBody>
+      </p:sp>
     </p:spTree>
     <p:extLst>
       <p:ext uri="{BB962C8B-B14F-4D97-AF65-F5344CB8AC3E}">
-        <p14:creationId xmlns:p14="http://schemas.microsoft.com/office/powerpoint/2010/main" val="1399129633"/>
+        <p14:creationId xmlns:p14="http://schemas.microsoft.com/office/powerpoint/2010/main" val="3860050415"/>
       </p:ext>
     </p:extLst>
   </p:cSld>
@@ -5180,44 +5322,183 @@
           <a:p>
             <a:r>
               <a:rPr lang="en-US" dirty="0"/>
-              <a:t>Starting a Thread, the stack</a:t>
-            </a:r>
-          </a:p>
-        </p:txBody>
-      </p:sp>
-      <p:sp>
-        <p:nvSpPr>
-          <p:cNvPr id="5" name="object 7"/>
-          <p:cNvSpPr/>
-          <p:nvPr/>
-        </p:nvSpPr>
-        <p:spPr>
-          <a:xfrm>
-            <a:off x="734159" y="1749792"/>
-            <a:ext cx="7628304" cy="4256698"/>
-          </a:xfrm>
-          <a:prstGeom prst="rect">
-            <a:avLst/>
-          </a:prstGeom>
-          <a:blipFill>
-            <a:blip r:embed="rId2" cstate="print"/>
-            <a:stretch>
-              <a:fillRect/>
-            </a:stretch>
-          </a:blipFill>
-        </p:spPr>
-        <p:txBody>
-          <a:bodyPr wrap="square" lIns="0" tIns="0" rIns="0" bIns="0" rtlCol="0"/>
-          <a:lstStyle/>
-          <a:p>
-            <a:endParaRPr/>
+              <a:t>Thread priority</a:t>
+            </a:r>
+          </a:p>
+        </p:txBody>
+      </p:sp>
+      <p:sp>
+        <p:nvSpPr>
+          <p:cNvPr id="3" name="Content Placeholder 2"/>
+          <p:cNvSpPr>
+            <a:spLocks noGrp="1"/>
+          </p:cNvSpPr>
+          <p:nvPr>
+            <p:ph idx="1"/>
+          </p:nvPr>
+        </p:nvSpPr>
+        <p:spPr/>
+        <p:txBody>
+          <a:bodyPr>
+            <a:normAutofit/>
+          </a:bodyPr>
+          <a:lstStyle/>
+          <a:p>
+            <a:r>
+              <a:rPr lang="en-US" sz="2800" dirty="0">
+                <a:solidFill>
+                  <a:srgbClr val="E46C0A"/>
+                </a:solidFill>
+              </a:rPr>
+              <a:t>By default, a thread gets the priority of the thread creating it.</a:t>
+            </a:r>
+          </a:p>
+          <a:p>
+            <a:r>
+              <a:rPr lang="en-US" sz="2800" dirty="0"/>
+              <a:t>Priority values are defined between 1 and 10</a:t>
+            </a:r>
+          </a:p>
+          <a:p>
+            <a:pPr marL="0" indent="0">
+              <a:buNone/>
+            </a:pPr>
+            <a:r>
+              <a:rPr lang="en-US" sz="2000" dirty="0" err="1">
+                <a:latin typeface="Consolas"/>
+                <a:cs typeface="Consolas"/>
+              </a:rPr>
+              <a:t>Thread.MIN_PRIORITY</a:t>
+            </a:r>
+            <a:r>
+              <a:rPr lang="en-US" sz="2000" dirty="0">
+                <a:latin typeface="Consolas"/>
+                <a:cs typeface="Consolas"/>
+              </a:rPr>
+              <a:t>	 (== 1)</a:t>
+            </a:r>
+          </a:p>
+          <a:p>
+            <a:pPr marL="0" indent="0">
+              <a:buNone/>
+            </a:pPr>
+            <a:r>
+              <a:rPr lang="en-US" sz="2000" dirty="0" err="1">
+                <a:latin typeface="Consolas"/>
+                <a:cs typeface="Consolas"/>
+              </a:rPr>
+              <a:t>Thread.NORM_PRIORITY</a:t>
+            </a:r>
+            <a:r>
+              <a:rPr lang="en-US" sz="2000" dirty="0">
+                <a:latin typeface="Consolas"/>
+                <a:cs typeface="Consolas"/>
+              </a:rPr>
+              <a:t>  (== 5)</a:t>
+            </a:r>
+          </a:p>
+          <a:p>
+            <a:pPr marL="0" indent="0">
+              <a:buNone/>
+            </a:pPr>
+            <a:r>
+              <a:rPr lang="en-US" sz="2000" dirty="0" err="1">
+                <a:latin typeface="Consolas"/>
+                <a:cs typeface="Consolas"/>
+              </a:rPr>
+              <a:t>Thread.MAX_PRIORITY</a:t>
+            </a:r>
+            <a:r>
+              <a:rPr lang="en-US" sz="2000" dirty="0">
+                <a:latin typeface="Consolas"/>
+                <a:cs typeface="Consolas"/>
+              </a:rPr>
+              <a:t>	 (== 10)</a:t>
+            </a:r>
+          </a:p>
+          <a:p>
+            <a:r>
+              <a:rPr lang="en-US" sz="2800" dirty="0"/>
+              <a:t>Priority can be set</a:t>
+            </a:r>
+            <a:endParaRPr lang="en-US" sz="2000" dirty="0">
+              <a:latin typeface="Consolas"/>
+              <a:cs typeface="Consolas"/>
+            </a:endParaRPr>
+          </a:p>
+          <a:p>
+            <a:pPr marL="0" indent="0">
+              <a:buNone/>
+            </a:pPr>
+            <a:r>
+              <a:rPr lang="en-US" sz="2000" dirty="0">
+                <a:latin typeface="Consolas"/>
+                <a:cs typeface="Consolas"/>
+              </a:rPr>
+              <a:t>Thread t = new Thread(new Runnable()); </a:t>
+            </a:r>
+          </a:p>
+          <a:p>
+            <a:pPr marL="0" indent="0">
+              <a:buNone/>
+            </a:pPr>
+            <a:r>
+              <a:rPr lang="en-US" sz="2000" dirty="0" err="1">
+                <a:latin typeface="Consolas"/>
+                <a:cs typeface="Consolas"/>
+              </a:rPr>
+              <a:t>t.setPriority</a:t>
+            </a:r>
+            <a:r>
+              <a:rPr lang="en-US" sz="2000" dirty="0">
+                <a:latin typeface="Consolas"/>
+                <a:cs typeface="Consolas"/>
+              </a:rPr>
+              <a:t>(</a:t>
+            </a:r>
+            <a:r>
+              <a:rPr lang="en-US" sz="2000" dirty="0" err="1">
+                <a:latin typeface="Consolas"/>
+                <a:cs typeface="Consolas"/>
+              </a:rPr>
+              <a:t>Thread.MAX_PRIORITY</a:t>
+            </a:r>
+            <a:r>
+              <a:rPr lang="en-US" sz="2000" dirty="0">
+                <a:latin typeface="Consolas"/>
+                <a:cs typeface="Consolas"/>
+              </a:rPr>
+              <a:t>);	</a:t>
+            </a:r>
+          </a:p>
+          <a:p>
+            <a:pPr marL="0" indent="0">
+              <a:buNone/>
+            </a:pPr>
+            <a:r>
+              <a:rPr lang="en-US" sz="2000" dirty="0" err="1">
+                <a:latin typeface="Consolas"/>
+                <a:cs typeface="Consolas"/>
+              </a:rPr>
+              <a:t>t.start</a:t>
+            </a:r>
+            <a:r>
+              <a:rPr lang="en-US" sz="2000" dirty="0">
+                <a:latin typeface="Consolas"/>
+                <a:cs typeface="Consolas"/>
+              </a:rPr>
+              <a:t>();</a:t>
+            </a:r>
+          </a:p>
+          <a:p>
+            <a:endParaRPr lang="en-US" sz="2800" dirty="0"/>
           </a:p>
         </p:txBody>
       </p:sp>
     </p:spTree>
     <p:extLst>
       <p:ext uri="{BB962C8B-B14F-4D97-AF65-F5344CB8AC3E}">
-        <p14:creationId xmlns:p14="http://schemas.microsoft.com/office/powerpoint/2010/main" val="3860050415"/>
+        <p14:creationId xmlns:p14="http://schemas.microsoft.com/office/powerpoint/2010/main" val="2236805615"/>
       </p:ext>
     </p:extLst>
   </p:cSld>
@@ -5261,6 +5542,468 @@
           <a:p>
             <a:r>
               <a:rPr lang="en-US" dirty="0"/>
+              <a:t>JVM scheduling policy</a:t>
+            </a:r>
+          </a:p>
+        </p:txBody>
+      </p:sp>
+      <p:sp>
+        <p:nvSpPr>
+          <p:cNvPr id="3" name="Content Placeholder 2"/>
+          <p:cNvSpPr>
+            <a:spLocks noGrp="1"/>
+          </p:cNvSpPr>
+          <p:nvPr>
+            <p:ph idx="1"/>
+          </p:nvPr>
+        </p:nvSpPr>
+        <p:spPr/>
+        <p:txBody>
+          <a:bodyPr>
+            <a:normAutofit/>
+          </a:bodyPr>
+          <a:lstStyle/>
+          <a:p>
+            <a:r>
+              <a:rPr lang="en-US" sz="2800" dirty="0"/>
+              <a:t>A thread always runs with a priority number</a:t>
+            </a:r>
+          </a:p>
+          <a:p>
+            <a:r>
+              <a:rPr lang="en-US" sz="2800" dirty="0"/>
+              <a:t>The scheduler in most JVMs uses </a:t>
+            </a:r>
+            <a:r>
+              <a:rPr lang="en-US" sz="2800" dirty="0">
+                <a:solidFill>
+                  <a:srgbClr val="E46C0A"/>
+                </a:solidFill>
+              </a:rPr>
+              <a:t>time-sliced, preemptive, priority-based</a:t>
+            </a:r>
+            <a:r>
+              <a:rPr lang="en-US" sz="2800" dirty="0"/>
+              <a:t> scheduling</a:t>
+            </a:r>
+          </a:p>
+          <a:p>
+            <a:r>
+              <a:rPr lang="en-US" sz="2800" dirty="0">
+                <a:solidFill>
+                  <a:srgbClr val="E46C0A"/>
+                </a:solidFill>
+              </a:rPr>
+              <a:t>JVM specification does not require a VM to implement a time-slicing scheduler !</a:t>
+            </a:r>
+          </a:p>
+          <a:p>
+            <a:pPr lvl="1"/>
+            <a:r>
+              <a:rPr lang="en-US" sz="2400" dirty="0"/>
+              <a:t>some JVM may use a scheduler that lets one thread stay running until it completes its run() method</a:t>
+            </a:r>
+          </a:p>
+          <a:p>
+            <a:endParaRPr lang="en-US" sz="2800" dirty="0"/>
+          </a:p>
+        </p:txBody>
+      </p:sp>
+    </p:spTree>
+    <p:extLst>
+      <p:ext uri="{BB962C8B-B14F-4D97-AF65-F5344CB8AC3E}">
+        <p14:creationId xmlns:p14="http://schemas.microsoft.com/office/powerpoint/2010/main" val="3841656175"/>
+      </p:ext>
+    </p:extLst>
+  </p:cSld>
+  <p:clrMapOvr>
+    <a:masterClrMapping/>
+  </p:clrMapOvr>
+</p:sld>
+</file>
+
+<file path=ppt/slides/slide23.xml><?xml version="1.0" encoding="utf-8"?>
+<p:sld xmlns:a="http://schemas.openxmlformats.org/drawingml/2006/main" xmlns:r="http://schemas.openxmlformats.org/officeDocument/2006/relationships" xmlns:p="http://schemas.openxmlformats.org/presentationml/2006/main">
+  <p:cSld>
+    <p:spTree>
+      <p:nvGrpSpPr>
+        <p:cNvPr id="1" name=""/>
+        <p:cNvGrpSpPr/>
+        <p:nvPr/>
+      </p:nvGrpSpPr>
+      <p:grpSpPr>
+        <a:xfrm>
+          <a:off x="0" y="0"/>
+          <a:ext cx="0" cy="0"/>
+          <a:chOff x="0" y="0"/>
+          <a:chExt cx="0" cy="0"/>
+        </a:xfrm>
+      </p:grpSpPr>
+      <p:sp>
+        <p:nvSpPr>
+          <p:cNvPr id="2" name="Title 1"/>
+          <p:cNvSpPr>
+            <a:spLocks noGrp="1"/>
+          </p:cNvSpPr>
+          <p:nvPr>
+            <p:ph type="title"/>
+          </p:nvPr>
+        </p:nvSpPr>
+        <p:spPr/>
+        <p:txBody>
+          <a:bodyPr/>
+          <a:lstStyle/>
+          <a:p>
+            <a:r>
+              <a:rPr lang="en-US" dirty="0"/>
+              <a:t>Checking JVM scheduler</a:t>
+            </a:r>
+          </a:p>
+        </p:txBody>
+      </p:sp>
+      <p:sp>
+        <p:nvSpPr>
+          <p:cNvPr id="3" name="Content Placeholder 2"/>
+          <p:cNvSpPr>
+            <a:spLocks noGrp="1"/>
+          </p:cNvSpPr>
+          <p:nvPr>
+            <p:ph idx="1"/>
+          </p:nvPr>
+        </p:nvSpPr>
+        <p:spPr/>
+        <p:txBody>
+          <a:bodyPr>
+            <a:normAutofit fontScale="85000" lnSpcReduction="20000"/>
+          </a:bodyPr>
+          <a:lstStyle/>
+          <a:p>
+            <a:pPr marL="0" indent="0">
+              <a:buNone/>
+            </a:pPr>
+            <a:r>
+              <a:rPr lang="en-US" sz="1500" b="1" dirty="0">
+                <a:latin typeface="Consolas"/>
+                <a:cs typeface="Consolas"/>
+              </a:rPr>
+              <a:t>public class </a:t>
+            </a:r>
+            <a:r>
+              <a:rPr lang="en-US" sz="1500" b="1" dirty="0" err="1">
+                <a:latin typeface="Consolas"/>
+                <a:cs typeface="Consolas"/>
+              </a:rPr>
+              <a:t>CheckPreemption</a:t>
+            </a:r>
+            <a:r>
+              <a:rPr lang="en-US" sz="1500" b="1" dirty="0">
+                <a:latin typeface="Consolas"/>
+                <a:cs typeface="Consolas"/>
+              </a:rPr>
+              <a:t> implements Runnable {</a:t>
+            </a:r>
+          </a:p>
+          <a:p>
+            <a:pPr marL="0" indent="0">
+              <a:buNone/>
+            </a:pPr>
+            <a:r>
+              <a:rPr lang="en-US" sz="1500" b="1" dirty="0">
+                <a:latin typeface="Consolas"/>
+                <a:cs typeface="Consolas"/>
+              </a:rPr>
+              <a:t>	@Override</a:t>
+            </a:r>
+          </a:p>
+          <a:p>
+            <a:pPr marL="0" indent="0">
+              <a:buNone/>
+            </a:pPr>
+            <a:r>
+              <a:rPr lang="en-US" sz="1500" b="1" dirty="0">
+                <a:latin typeface="Consolas"/>
+                <a:cs typeface="Consolas"/>
+              </a:rPr>
+              <a:t>	public void run() {</a:t>
+            </a:r>
+          </a:p>
+          <a:p>
+            <a:pPr marL="0" indent="0">
+              <a:buNone/>
+            </a:pPr>
+            <a:r>
+              <a:rPr lang="en-US" sz="1500" b="1" dirty="0">
+                <a:latin typeface="Consolas"/>
+                <a:cs typeface="Consolas"/>
+              </a:rPr>
+              <a:t>		while (true) {</a:t>
+            </a:r>
+          </a:p>
+          <a:p>
+            <a:pPr marL="0" indent="0">
+              <a:buNone/>
+            </a:pPr>
+            <a:r>
+              <a:rPr lang="en-US" sz="1500" b="1" dirty="0">
+                <a:latin typeface="Consolas"/>
+                <a:cs typeface="Consolas"/>
+              </a:rPr>
+              <a:t>			</a:t>
+            </a:r>
+            <a:r>
+              <a:rPr lang="en-US" sz="1500" b="1" dirty="0" err="1">
+                <a:latin typeface="Consolas"/>
+                <a:cs typeface="Consolas"/>
+              </a:rPr>
+              <a:t>System.out.println</a:t>
+            </a:r>
+            <a:r>
+              <a:rPr lang="en-US" sz="1500" b="1" dirty="0">
+                <a:latin typeface="Consolas"/>
+                <a:cs typeface="Consolas"/>
+              </a:rPr>
+              <a:t>(</a:t>
+            </a:r>
+            <a:r>
+              <a:rPr lang="en-US" sz="1500" b="1" dirty="0" err="1">
+                <a:latin typeface="Consolas"/>
+                <a:cs typeface="Consolas"/>
+              </a:rPr>
+              <a:t>Thread.currentThread</a:t>
+            </a:r>
+            <a:r>
+              <a:rPr lang="en-US" sz="1500" b="1" dirty="0">
+                <a:latin typeface="Consolas"/>
+                <a:cs typeface="Consolas"/>
+              </a:rPr>
+              <a:t>().</a:t>
+            </a:r>
+            <a:r>
+              <a:rPr lang="en-US" sz="1500" b="1" dirty="0" err="1">
+                <a:latin typeface="Consolas"/>
+                <a:cs typeface="Consolas"/>
+              </a:rPr>
+              <a:t>getName</a:t>
+            </a:r>
+            <a:r>
+              <a:rPr lang="en-US" sz="1500" b="1" dirty="0">
+                <a:latin typeface="Consolas"/>
+                <a:cs typeface="Consolas"/>
+              </a:rPr>
+              <a:t>());</a:t>
+            </a:r>
+          </a:p>
+          <a:p>
+            <a:pPr marL="0" indent="0">
+              <a:buNone/>
+            </a:pPr>
+            <a:r>
+              <a:rPr lang="en-US" sz="1500" b="1" dirty="0">
+                <a:latin typeface="Consolas"/>
+                <a:cs typeface="Consolas"/>
+              </a:rPr>
+              <a:t>		}</a:t>
+            </a:r>
+          </a:p>
+          <a:p>
+            <a:pPr marL="0" indent="0">
+              <a:buNone/>
+            </a:pPr>
+            <a:r>
+              <a:rPr lang="en-US" sz="1500" b="1" dirty="0">
+                <a:latin typeface="Consolas"/>
+                <a:cs typeface="Consolas"/>
+              </a:rPr>
+              <a:t>	}</a:t>
+            </a:r>
+          </a:p>
+          <a:p>
+            <a:pPr marL="0" indent="0">
+              <a:buNone/>
+            </a:pPr>
+            <a:endParaRPr lang="en-US" sz="1500" b="1" dirty="0">
+              <a:latin typeface="Consolas"/>
+              <a:cs typeface="Consolas"/>
+            </a:endParaRPr>
+          </a:p>
+          <a:p>
+            <a:pPr marL="0" indent="0">
+              <a:buNone/>
+            </a:pPr>
+            <a:r>
+              <a:rPr lang="en-US" sz="1500" b="1" dirty="0">
+                <a:latin typeface="Consolas"/>
+                <a:cs typeface="Consolas"/>
+              </a:rPr>
+              <a:t>	public static void main(String </a:t>
+            </a:r>
+            <a:r>
+              <a:rPr lang="en-US" sz="1500" b="1" dirty="0" err="1">
+                <a:latin typeface="Consolas"/>
+                <a:cs typeface="Consolas"/>
+              </a:rPr>
+              <a:t>argv</a:t>
+            </a:r>
+            <a:r>
+              <a:rPr lang="en-US" sz="1500" b="1" dirty="0">
+                <a:latin typeface="Consolas"/>
+                <a:cs typeface="Consolas"/>
+              </a:rPr>
+              <a:t>[]) {</a:t>
+            </a:r>
+          </a:p>
+          <a:p>
+            <a:pPr marL="0" indent="0">
+              <a:buNone/>
+            </a:pPr>
+            <a:r>
+              <a:rPr lang="en-US" sz="1500" b="1" dirty="0">
+                <a:latin typeface="Consolas"/>
+                <a:cs typeface="Consolas"/>
+              </a:rPr>
+              <a:t>		</a:t>
+            </a:r>
+            <a:r>
+              <a:rPr lang="en-US" sz="1500" b="1" dirty="0" err="1">
+                <a:latin typeface="Consolas"/>
+                <a:cs typeface="Consolas"/>
+              </a:rPr>
+              <a:t>CheckPreemption</a:t>
+            </a:r>
+            <a:r>
+              <a:rPr lang="en-US" sz="1500" b="1" dirty="0">
+                <a:latin typeface="Consolas"/>
+                <a:cs typeface="Consolas"/>
+              </a:rPr>
+              <a:t> c = new </a:t>
+            </a:r>
+            <a:r>
+              <a:rPr lang="en-US" sz="1500" b="1" dirty="0" err="1">
+                <a:latin typeface="Consolas"/>
+                <a:cs typeface="Consolas"/>
+              </a:rPr>
+              <a:t>CheckPreemption</a:t>
+            </a:r>
+            <a:r>
+              <a:rPr lang="en-US" sz="1500" b="1" dirty="0">
+                <a:latin typeface="Consolas"/>
+                <a:cs typeface="Consolas"/>
+              </a:rPr>
+              <a:t>();</a:t>
+            </a:r>
+          </a:p>
+          <a:p>
+            <a:pPr marL="0" indent="0">
+              <a:buNone/>
+            </a:pPr>
+            <a:r>
+              <a:rPr lang="en-US" sz="1500" b="1" dirty="0">
+                <a:latin typeface="Consolas"/>
+                <a:cs typeface="Consolas"/>
+              </a:rPr>
+              <a:t>		new Thread(c, "To be").start();</a:t>
+            </a:r>
+          </a:p>
+          <a:p>
+            <a:pPr marL="0" indent="0">
+              <a:buNone/>
+            </a:pPr>
+            <a:r>
+              <a:rPr lang="en-US" sz="1500" b="1" dirty="0">
+                <a:latin typeface="Consolas"/>
+                <a:cs typeface="Consolas"/>
+              </a:rPr>
+              <a:t>		new Thread(c, "Not to be").start();</a:t>
+            </a:r>
+          </a:p>
+          <a:p>
+            <a:pPr marL="0" indent="0">
+              <a:buNone/>
+            </a:pPr>
+            <a:r>
+              <a:rPr lang="en-US" sz="1500" b="1" dirty="0">
+                <a:latin typeface="Consolas"/>
+                <a:cs typeface="Consolas"/>
+              </a:rPr>
+              <a:t>	}</a:t>
+            </a:r>
+          </a:p>
+          <a:p>
+            <a:pPr marL="0" indent="0">
+              <a:buNone/>
+            </a:pPr>
+            <a:r>
+              <a:rPr lang="en-US" sz="1500" b="1" dirty="0">
+                <a:latin typeface="Consolas"/>
+                <a:cs typeface="Consolas"/>
+              </a:rPr>
+              <a:t>}</a:t>
+            </a:r>
+          </a:p>
+          <a:p>
+            <a:r>
+              <a:rPr lang="en-US" dirty="0"/>
+              <a:t>If the scheduler is non-preemptive the first thread chosen runs forever</a:t>
+            </a:r>
+          </a:p>
+          <a:p>
+            <a:r>
+              <a:rPr lang="en-US" dirty="0"/>
+              <a:t>If the scheduler is preemptive both threads randomly alternate</a:t>
+            </a:r>
+          </a:p>
+          <a:p>
+            <a:endParaRPr lang="en-US" dirty="0"/>
+          </a:p>
+        </p:txBody>
+      </p:sp>
+    </p:spTree>
+    <p:extLst>
+      <p:ext uri="{BB962C8B-B14F-4D97-AF65-F5344CB8AC3E}">
+        <p14:creationId xmlns:p14="http://schemas.microsoft.com/office/powerpoint/2010/main" val="3277401054"/>
+      </p:ext>
+    </p:extLst>
+  </p:cSld>
+  <p:clrMapOvr>
+    <a:masterClrMapping/>
+  </p:clrMapOvr>
+</p:sld>
+</file>
+
+<file path=ppt/slides/slide24.xml><?xml version="1.0" encoding="utf-8"?>
+<p:sld xmlns:a="http://schemas.openxmlformats.org/drawingml/2006/main" xmlns:r="http://schemas.openxmlformats.org/officeDocument/2006/relationships" xmlns:p="http://schemas.openxmlformats.org/presentationml/2006/main">
+  <p:cSld>
+    <p:spTree>
+      <p:nvGrpSpPr>
+        <p:cNvPr id="1" name=""/>
+        <p:cNvGrpSpPr/>
+        <p:nvPr/>
+      </p:nvGrpSpPr>
+      <p:grpSpPr>
+        <a:xfrm>
+          <a:off x="0" y="0"/>
+          <a:ext cx="0" cy="0"/>
+          <a:chOff x="0" y="0"/>
+          <a:chExt cx="0" cy="0"/>
+        </a:xfrm>
+      </p:grpSpPr>
+      <p:sp>
+        <p:nvSpPr>
+          <p:cNvPr id="2" name="Title 1"/>
+          <p:cNvSpPr>
+            <a:spLocks noGrp="1"/>
+          </p:cNvSpPr>
+          <p:nvPr>
+            <p:ph type="title"/>
+          </p:nvPr>
+        </p:nvSpPr>
+        <p:spPr/>
+        <p:txBody>
+          <a:bodyPr/>
+          <a:lstStyle/>
+          <a:p>
+            <a:r>
+              <a:rPr lang="en-US" dirty="0"/>
               <a:t>Terminating a Thread</a:t>
             </a:r>
           </a:p>
@@ -5343,7 +6086,291 @@
 </p:sld>
 </file>
 
-<file path=ppt/slides/slide23.xml><?xml version="1.0" encoding="utf-8"?>
+<file path=ppt/slides/slide25.xml><?xml version="1.0" encoding="utf-8"?>
+<p:sld xmlns:a="http://schemas.openxmlformats.org/drawingml/2006/main" xmlns:r="http://schemas.openxmlformats.org/officeDocument/2006/relationships" xmlns:p="http://schemas.openxmlformats.org/presentationml/2006/main">
+  <p:cSld>
+    <p:spTree>
+      <p:nvGrpSpPr>
+        <p:cNvPr id="1" name=""/>
+        <p:cNvGrpSpPr/>
+        <p:nvPr/>
+      </p:nvGrpSpPr>
+      <p:grpSpPr>
+        <a:xfrm>
+          <a:off x="0" y="0"/>
+          <a:ext cx="0" cy="0"/>
+          <a:chOff x="0" y="0"/>
+          <a:chExt cx="0" cy="0"/>
+        </a:xfrm>
+      </p:grpSpPr>
+      <p:sp>
+        <p:nvSpPr>
+          <p:cNvPr id="2" name="Title 1"/>
+          <p:cNvSpPr>
+            <a:spLocks noGrp="1"/>
+          </p:cNvSpPr>
+          <p:nvPr>
+            <p:ph type="title"/>
+          </p:nvPr>
+        </p:nvSpPr>
+        <p:spPr/>
+        <p:txBody>
+          <a:bodyPr/>
+          <a:lstStyle/>
+          <a:p>
+            <a:r>
+              <a:rPr lang="en-US" dirty="0"/>
+              <a:t>Terminating a Thread</a:t>
+            </a:r>
+          </a:p>
+        </p:txBody>
+      </p:sp>
+      <p:sp>
+        <p:nvSpPr>
+          <p:cNvPr id="5" name="Content Placeholder 4">
+            <a:extLst>
+              <a:ext uri="{FF2B5EF4-FFF2-40B4-BE49-F238E27FC236}">
+                <a16:creationId xmlns:a16="http://schemas.microsoft.com/office/drawing/2014/main" id="{16EE3FF6-E0A2-8E43-A7DA-44BB91F128BF}"/>
+              </a:ext>
+            </a:extLst>
+          </p:cNvPr>
+          <p:cNvSpPr>
+            <a:spLocks noGrp="1"/>
+          </p:cNvSpPr>
+          <p:nvPr>
+            <p:ph idx="1"/>
+          </p:nvPr>
+        </p:nvSpPr>
+        <p:spPr/>
+        <p:txBody>
+          <a:bodyPr>
+            <a:normAutofit fontScale="62500" lnSpcReduction="20000"/>
+          </a:bodyPr>
+          <a:lstStyle/>
+          <a:p>
+            <a:pPr marL="0" indent="0">
+              <a:buNone/>
+            </a:pPr>
+            <a:r>
+              <a:rPr lang="en-GB" dirty="0">
+                <a:latin typeface="Consolas" panose="020B0609020204030204" pitchFamily="49" charset="0"/>
+                <a:cs typeface="Consolas" panose="020B0609020204030204" pitchFamily="49" charset="0"/>
+              </a:rPr>
+              <a:t>/* start children threads */</a:t>
+            </a:r>
+          </a:p>
+          <a:p>
+            <a:pPr marL="0" indent="0">
+              <a:buNone/>
+            </a:pPr>
+            <a:r>
+              <a:rPr lang="en-GB" dirty="0" err="1">
+                <a:latin typeface="Consolas" panose="020B0609020204030204" pitchFamily="49" charset="0"/>
+                <a:cs typeface="Consolas" panose="020B0609020204030204" pitchFamily="49" charset="0"/>
+              </a:rPr>
+              <a:t>producer.start</a:t>
+            </a:r>
+            <a:r>
+              <a:rPr lang="en-GB" dirty="0">
+                <a:latin typeface="Consolas" panose="020B0609020204030204" pitchFamily="49" charset="0"/>
+                <a:cs typeface="Consolas" panose="020B0609020204030204" pitchFamily="49" charset="0"/>
+              </a:rPr>
+              <a:t>();</a:t>
+            </a:r>
+          </a:p>
+          <a:p>
+            <a:pPr marL="0" indent="0">
+              <a:buNone/>
+            </a:pPr>
+            <a:r>
+              <a:rPr lang="en-GB" dirty="0" err="1">
+                <a:latin typeface="Consolas" panose="020B0609020204030204" pitchFamily="49" charset="0"/>
+                <a:cs typeface="Consolas" panose="020B0609020204030204" pitchFamily="49" charset="0"/>
+              </a:rPr>
+              <a:t>consumer.start</a:t>
+            </a:r>
+            <a:r>
+              <a:rPr lang="en-GB" dirty="0">
+                <a:latin typeface="Consolas" panose="020B0609020204030204" pitchFamily="49" charset="0"/>
+                <a:cs typeface="Consolas" panose="020B0609020204030204" pitchFamily="49" charset="0"/>
+              </a:rPr>
+              <a:t>();</a:t>
+            </a:r>
+          </a:p>
+          <a:p>
+            <a:pPr marL="0" indent="0">
+              <a:buNone/>
+            </a:pPr>
+            <a:endParaRPr lang="en-GB" dirty="0">
+              <a:latin typeface="Consolas" panose="020B0609020204030204" pitchFamily="49" charset="0"/>
+              <a:cs typeface="Consolas" panose="020B0609020204030204" pitchFamily="49" charset="0"/>
+            </a:endParaRPr>
+          </a:p>
+          <a:p>
+            <a:pPr marL="0" indent="0">
+              <a:buNone/>
+            </a:pPr>
+            <a:r>
+              <a:rPr lang="en-GB" dirty="0">
+                <a:latin typeface="Consolas" panose="020B0609020204030204" pitchFamily="49" charset="0"/>
+                <a:cs typeface="Consolas" panose="020B0609020204030204" pitchFamily="49" charset="0"/>
+              </a:rPr>
+              <a:t>/* wait 1/10 of second */</a:t>
+            </a:r>
+          </a:p>
+          <a:p>
+            <a:pPr marL="0" indent="0">
+              <a:buNone/>
+            </a:pPr>
+            <a:r>
+              <a:rPr lang="en-GB" dirty="0" err="1">
+                <a:latin typeface="Consolas" panose="020B0609020204030204" pitchFamily="49" charset="0"/>
+                <a:cs typeface="Consolas" panose="020B0609020204030204" pitchFamily="49" charset="0"/>
+              </a:rPr>
+              <a:t>Thread.sleep</a:t>
+            </a:r>
+            <a:r>
+              <a:rPr lang="en-GB" dirty="0">
+                <a:latin typeface="Consolas" panose="020B0609020204030204" pitchFamily="49" charset="0"/>
+                <a:cs typeface="Consolas" panose="020B0609020204030204" pitchFamily="49" charset="0"/>
+              </a:rPr>
+              <a:t>(100);</a:t>
+            </a:r>
+          </a:p>
+          <a:p>
+            <a:pPr marL="0" indent="0">
+              <a:buNone/>
+            </a:pPr>
+            <a:endParaRPr lang="en-GB" dirty="0">
+              <a:latin typeface="Consolas" panose="020B0609020204030204" pitchFamily="49" charset="0"/>
+              <a:cs typeface="Consolas" panose="020B0609020204030204" pitchFamily="49" charset="0"/>
+            </a:endParaRPr>
+          </a:p>
+          <a:p>
+            <a:pPr marL="0" indent="0">
+              <a:buNone/>
+            </a:pPr>
+            <a:r>
+              <a:rPr lang="en-GB" dirty="0">
+                <a:latin typeface="Consolas" panose="020B0609020204030204" pitchFamily="49" charset="0"/>
+                <a:cs typeface="Consolas" panose="020B0609020204030204" pitchFamily="49" charset="0"/>
+              </a:rPr>
+              <a:t>/* gracefully shut down children threads */</a:t>
+            </a:r>
+          </a:p>
+          <a:p>
+            <a:pPr marL="0" indent="0">
+              <a:buNone/>
+            </a:pPr>
+            <a:r>
+              <a:rPr lang="en-GB" dirty="0" err="1">
+                <a:latin typeface="Consolas" panose="020B0609020204030204" pitchFamily="49" charset="0"/>
+                <a:cs typeface="Consolas" panose="020B0609020204030204" pitchFamily="49" charset="0"/>
+              </a:rPr>
+              <a:t>producer.running</a:t>
+            </a:r>
+            <a:r>
+              <a:rPr lang="en-GB" dirty="0">
+                <a:latin typeface="Consolas" panose="020B0609020204030204" pitchFamily="49" charset="0"/>
+                <a:cs typeface="Consolas" panose="020B0609020204030204" pitchFamily="49" charset="0"/>
+              </a:rPr>
+              <a:t> = false;</a:t>
+            </a:r>
+          </a:p>
+          <a:p>
+            <a:pPr marL="0" indent="0">
+              <a:buNone/>
+            </a:pPr>
+            <a:r>
+              <a:rPr lang="en-GB" dirty="0" err="1">
+                <a:latin typeface="Consolas" panose="020B0609020204030204" pitchFamily="49" charset="0"/>
+                <a:cs typeface="Consolas" panose="020B0609020204030204" pitchFamily="49" charset="0"/>
+              </a:rPr>
+              <a:t>consumer.running</a:t>
+            </a:r>
+            <a:r>
+              <a:rPr lang="en-GB" dirty="0">
+                <a:latin typeface="Consolas" panose="020B0609020204030204" pitchFamily="49" charset="0"/>
+                <a:cs typeface="Consolas" panose="020B0609020204030204" pitchFamily="49" charset="0"/>
+              </a:rPr>
+              <a:t> = false;</a:t>
+            </a:r>
+          </a:p>
+          <a:p>
+            <a:pPr marL="0" indent="0">
+              <a:buNone/>
+            </a:pPr>
+            <a:endParaRPr lang="en-GB" dirty="0">
+              <a:latin typeface="Consolas" panose="020B0609020204030204" pitchFamily="49" charset="0"/>
+              <a:cs typeface="Consolas" panose="020B0609020204030204" pitchFamily="49" charset="0"/>
+            </a:endParaRPr>
+          </a:p>
+          <a:p>
+            <a:pPr marL="0" indent="0">
+              <a:buNone/>
+            </a:pPr>
+            <a:r>
+              <a:rPr lang="en-GB" dirty="0">
+                <a:latin typeface="Consolas" panose="020B0609020204030204" pitchFamily="49" charset="0"/>
+                <a:cs typeface="Consolas" panose="020B0609020204030204" pitchFamily="49" charset="0"/>
+              </a:rPr>
+              <a:t>/* wait for children before exit */</a:t>
+            </a:r>
+          </a:p>
+          <a:p>
+            <a:pPr marL="0" indent="0">
+              <a:buNone/>
+            </a:pPr>
+            <a:r>
+              <a:rPr lang="en-GB" dirty="0" err="1">
+                <a:latin typeface="Consolas" panose="020B0609020204030204" pitchFamily="49" charset="0"/>
+                <a:cs typeface="Consolas" panose="020B0609020204030204" pitchFamily="49" charset="0"/>
+              </a:rPr>
+              <a:t>producer.join</a:t>
+            </a:r>
+            <a:r>
+              <a:rPr lang="en-GB" dirty="0">
+                <a:latin typeface="Consolas" panose="020B0609020204030204" pitchFamily="49" charset="0"/>
+                <a:cs typeface="Consolas" panose="020B0609020204030204" pitchFamily="49" charset="0"/>
+              </a:rPr>
+              <a:t>();</a:t>
+            </a:r>
+          </a:p>
+          <a:p>
+            <a:pPr marL="0" indent="0">
+              <a:buNone/>
+            </a:pPr>
+            <a:r>
+              <a:rPr lang="en-GB" dirty="0" err="1">
+                <a:latin typeface="Consolas" panose="020B0609020204030204" pitchFamily="49" charset="0"/>
+                <a:cs typeface="Consolas" panose="020B0609020204030204" pitchFamily="49" charset="0"/>
+              </a:rPr>
+              <a:t>consumer.join</a:t>
+            </a:r>
+            <a:r>
+              <a:rPr lang="en-GB" dirty="0">
+                <a:latin typeface="Consolas" panose="020B0609020204030204" pitchFamily="49" charset="0"/>
+                <a:cs typeface="Consolas" panose="020B0609020204030204" pitchFamily="49" charset="0"/>
+              </a:rPr>
+              <a:t>();</a:t>
+            </a:r>
+          </a:p>
+        </p:txBody>
+      </p:sp>
+    </p:spTree>
+    <p:extLst>
+      <p:ext uri="{BB962C8B-B14F-4D97-AF65-F5344CB8AC3E}">
+        <p14:creationId xmlns:p14="http://schemas.microsoft.com/office/powerpoint/2010/main" val="3223603706"/>
+      </p:ext>
+    </p:extLst>
+  </p:cSld>
+  <p:clrMapOvr>
+    <a:masterClrMapping/>
+  </p:clrMapOvr>
+</p:sld>
+</file>
+
+<file path=ppt/slides/slide26.xml><?xml version="1.0" encoding="utf-8"?>
 <p:sld xmlns:a="http://schemas.openxmlformats.org/drawingml/2006/main" xmlns:r="http://schemas.openxmlformats.org/officeDocument/2006/relationships" xmlns:p="http://schemas.openxmlformats.org/presentationml/2006/main">
   <p:cSld>
     <p:spTree>
@@ -5425,371 +6452,6 @@
 </p:sld>
 </file>
 
-<file path=ppt/slides/slide24.xml><?xml version="1.0" encoding="utf-8"?>
-<p:sld xmlns:a="http://schemas.openxmlformats.org/drawingml/2006/main" xmlns:r="http://schemas.openxmlformats.org/officeDocument/2006/relationships" xmlns:p="http://schemas.openxmlformats.org/presentationml/2006/main">
-  <p:cSld>
-    <p:spTree>
-      <p:nvGrpSpPr>
-        <p:cNvPr id="1" name=""/>
-        <p:cNvGrpSpPr/>
-        <p:nvPr/>
-      </p:nvGrpSpPr>
-      <p:grpSpPr>
-        <a:xfrm>
-          <a:off x="0" y="0"/>
-          <a:ext cx="0" cy="0"/>
-          <a:chOff x="0" y="0"/>
-          <a:chExt cx="0" cy="0"/>
-        </a:xfrm>
-      </p:grpSpPr>
-      <p:sp>
-        <p:nvSpPr>
-          <p:cNvPr id="2" name="Title 1"/>
-          <p:cNvSpPr>
-            <a:spLocks noGrp="1"/>
-          </p:cNvSpPr>
-          <p:nvPr>
-            <p:ph type="title"/>
-          </p:nvPr>
-        </p:nvSpPr>
-        <p:spPr/>
-        <p:txBody>
-          <a:bodyPr/>
-          <a:lstStyle/>
-          <a:p>
-            <a:r>
-              <a:rPr lang="en-US" dirty="0"/>
-              <a:t>Thread state: Running</a:t>
-            </a:r>
-          </a:p>
-        </p:txBody>
-      </p:sp>
-      <p:sp>
-        <p:nvSpPr>
-          <p:cNvPr id="3" name="Content Placeholder 2"/>
-          <p:cNvSpPr>
-            <a:spLocks noGrp="1"/>
-          </p:cNvSpPr>
-          <p:nvPr>
-            <p:ph idx="1"/>
-          </p:nvPr>
-        </p:nvSpPr>
-        <p:spPr/>
-        <p:txBody>
-          <a:bodyPr>
-            <a:normAutofit fontScale="92500" lnSpcReduction="20000"/>
-          </a:bodyPr>
-          <a:lstStyle/>
-          <a:p>
-            <a:r>
-              <a:rPr lang="en-US" dirty="0"/>
-              <a:t>This is the state a thread is in when the thread scheduler selects it (from the runnable pool) to be </a:t>
-            </a:r>
-            <a:r>
-              <a:rPr lang="en-US" dirty="0">
-                <a:solidFill>
-                  <a:srgbClr val="E46C0A"/>
-                </a:solidFill>
-              </a:rPr>
-              <a:t>the currently executing thread</a:t>
-            </a:r>
-            <a:r>
-              <a:rPr lang="en-US" dirty="0"/>
-              <a:t>.</a:t>
-            </a:r>
-          </a:p>
-          <a:p>
-            <a:r>
-              <a:rPr lang="en-US" dirty="0"/>
-              <a:t>A thread can transition from the running state for several reasons:</a:t>
-            </a:r>
-          </a:p>
-          <a:p>
-            <a:pPr lvl="1"/>
-            <a:r>
-              <a:rPr lang="en-US" dirty="0"/>
-              <a:t>Calling </a:t>
-            </a:r>
-            <a:r>
-              <a:rPr lang="en-US" dirty="0" err="1"/>
-              <a:t>System.exit</a:t>
-            </a:r>
-            <a:r>
-              <a:rPr lang="en-US" dirty="0"/>
-              <a:t>() (DEAD)</a:t>
-            </a:r>
-          </a:p>
-          <a:p>
-            <a:pPr lvl="1"/>
-            <a:r>
-              <a:rPr lang="en-US" dirty="0"/>
-              <a:t>Calling </a:t>
-            </a:r>
-            <a:r>
-              <a:rPr lang="en-US" dirty="0" err="1"/>
-              <a:t>Thread.sleep</a:t>
-            </a:r>
-            <a:r>
-              <a:rPr lang="en-US" dirty="0"/>
-              <a:t>() (SLEEPING)</a:t>
-            </a:r>
-          </a:p>
-          <a:p>
-            <a:pPr lvl="1"/>
-            <a:r>
-              <a:rPr lang="en-US" dirty="0"/>
-              <a:t>The thread can acquire a resource but there is no work to do. The thread calls </a:t>
-            </a:r>
-            <a:r>
-              <a:rPr lang="en-US" dirty="0" err="1"/>
-              <a:t>object.wait</a:t>
-            </a:r>
-            <a:r>
-              <a:rPr lang="en-US" dirty="0"/>
-              <a:t>() and waits for another thread calling notify() (WAITING)</a:t>
-            </a:r>
-          </a:p>
-          <a:p>
-            <a:pPr lvl="1"/>
-            <a:r>
-              <a:rPr lang="en-US" dirty="0"/>
-              <a:t>The thread can't acquire a resource (BLOCKING)</a:t>
-            </a:r>
-          </a:p>
-          <a:p>
-            <a:endParaRPr lang="en-US" dirty="0"/>
-          </a:p>
-          <a:p>
-            <a:endParaRPr lang="en-US" dirty="0"/>
-          </a:p>
-        </p:txBody>
-      </p:sp>
-    </p:spTree>
-    <p:extLst>
-      <p:ext uri="{BB962C8B-B14F-4D97-AF65-F5344CB8AC3E}">
-        <p14:creationId xmlns:p14="http://schemas.microsoft.com/office/powerpoint/2010/main" val="2548934673"/>
-      </p:ext>
-    </p:extLst>
-  </p:cSld>
-  <p:clrMapOvr>
-    <a:masterClrMapping/>
-  </p:clrMapOvr>
-</p:sld>
-</file>
-
-<file path=ppt/slides/slide25.xml><?xml version="1.0" encoding="utf-8"?>
-<p:sld xmlns:a="http://schemas.openxmlformats.org/drawingml/2006/main" xmlns:r="http://schemas.openxmlformats.org/officeDocument/2006/relationships" xmlns:p="http://schemas.openxmlformats.org/presentationml/2006/main">
-  <p:cSld>
-    <p:spTree>
-      <p:nvGrpSpPr>
-        <p:cNvPr id="1" name=""/>
-        <p:cNvGrpSpPr/>
-        <p:nvPr/>
-      </p:nvGrpSpPr>
-      <p:grpSpPr>
-        <a:xfrm>
-          <a:off x="0" y="0"/>
-          <a:ext cx="0" cy="0"/>
-          <a:chOff x="0" y="0"/>
-          <a:chExt cx="0" cy="0"/>
-        </a:xfrm>
-      </p:grpSpPr>
-      <p:sp>
-        <p:nvSpPr>
-          <p:cNvPr id="2" name="Title 1"/>
-          <p:cNvSpPr>
-            <a:spLocks noGrp="1"/>
-          </p:cNvSpPr>
-          <p:nvPr>
-            <p:ph type="title"/>
-          </p:nvPr>
-        </p:nvSpPr>
-        <p:spPr/>
-        <p:txBody>
-          <a:bodyPr/>
-          <a:lstStyle/>
-          <a:p>
-            <a:r>
-              <a:rPr lang="en-US" dirty="0"/>
-              <a:t>Thread state: Runnable</a:t>
-            </a:r>
-          </a:p>
-        </p:txBody>
-      </p:sp>
-      <p:sp>
-        <p:nvSpPr>
-          <p:cNvPr id="3" name="Content Placeholder 2"/>
-          <p:cNvSpPr>
-            <a:spLocks noGrp="1"/>
-          </p:cNvSpPr>
-          <p:nvPr>
-            <p:ph idx="1"/>
-          </p:nvPr>
-        </p:nvSpPr>
-        <p:spPr/>
-        <p:txBody>
-          <a:bodyPr>
-            <a:normAutofit fontScale="92500" lnSpcReduction="10000"/>
-          </a:bodyPr>
-          <a:lstStyle/>
-          <a:p>
-            <a:r>
-              <a:rPr lang="en-US" dirty="0">
-                <a:solidFill>
-                  <a:srgbClr val="E46C0A"/>
-                </a:solidFill>
-              </a:rPr>
-              <a:t>A thread which is eligible to run</a:t>
-            </a:r>
-            <a:r>
-              <a:rPr lang="en-US" dirty="0"/>
-              <a:t>, but the scheduler has not selected it to be the running thread</a:t>
-            </a:r>
-          </a:p>
-          <a:p>
-            <a:r>
-              <a:rPr lang="en-US" dirty="0"/>
-              <a:t>A thread first enters the runnable state when the start() method is invoked</a:t>
-            </a:r>
-          </a:p>
-          <a:p>
-            <a:r>
-              <a:rPr lang="en-US" dirty="0"/>
-              <a:t>A thread can also return to the runnable state after either the running, blocked, waiting, or sleeping state</a:t>
-            </a:r>
-          </a:p>
-          <a:p>
-            <a:r>
-              <a:rPr lang="en-US" dirty="0"/>
-              <a:t>When a thread is in the runnable state, it is considered alive 	</a:t>
-            </a:r>
-          </a:p>
-          <a:p>
-            <a:endParaRPr lang="en-US" dirty="0"/>
-          </a:p>
-        </p:txBody>
-      </p:sp>
-    </p:spTree>
-    <p:extLst>
-      <p:ext uri="{BB962C8B-B14F-4D97-AF65-F5344CB8AC3E}">
-        <p14:creationId xmlns:p14="http://schemas.microsoft.com/office/powerpoint/2010/main" val="1492270865"/>
-      </p:ext>
-    </p:extLst>
-  </p:cSld>
-  <p:clrMapOvr>
-    <a:masterClrMapping/>
-  </p:clrMapOvr>
-</p:sld>
-</file>
-
-<file path=ppt/slides/slide26.xml><?xml version="1.0" encoding="utf-8"?>
-<p:sld xmlns:a="http://schemas.openxmlformats.org/drawingml/2006/main" xmlns:r="http://schemas.openxmlformats.org/officeDocument/2006/relationships" xmlns:p="http://schemas.openxmlformats.org/presentationml/2006/main">
-  <p:cSld>
-    <p:spTree>
-      <p:nvGrpSpPr>
-        <p:cNvPr id="1" name=""/>
-        <p:cNvGrpSpPr/>
-        <p:nvPr/>
-      </p:nvGrpSpPr>
-      <p:grpSpPr>
-        <a:xfrm>
-          <a:off x="0" y="0"/>
-          <a:ext cx="0" cy="0"/>
-          <a:chOff x="0" y="0"/>
-          <a:chExt cx="0" cy="0"/>
-        </a:xfrm>
-      </p:grpSpPr>
-      <p:sp>
-        <p:nvSpPr>
-          <p:cNvPr id="2" name="Title 1"/>
-          <p:cNvSpPr>
-            <a:spLocks noGrp="1"/>
-          </p:cNvSpPr>
-          <p:nvPr>
-            <p:ph type="title"/>
-          </p:nvPr>
-        </p:nvSpPr>
-        <p:spPr/>
-        <p:txBody>
-          <a:bodyPr/>
-          <a:lstStyle/>
-          <a:p>
-            <a:r>
-              <a:rPr lang="en-US" dirty="0"/>
-              <a:t>Thread state: Waiting</a:t>
-            </a:r>
-          </a:p>
-        </p:txBody>
-      </p:sp>
-      <p:sp>
-        <p:nvSpPr>
-          <p:cNvPr id="3" name="Content Placeholder 2"/>
-          <p:cNvSpPr>
-            <a:spLocks noGrp="1"/>
-          </p:cNvSpPr>
-          <p:nvPr>
-            <p:ph idx="1"/>
-          </p:nvPr>
-        </p:nvSpPr>
-        <p:spPr/>
-        <p:txBody>
-          <a:bodyPr>
-            <a:normAutofit/>
-          </a:bodyPr>
-          <a:lstStyle/>
-          <a:p>
-            <a:r>
-              <a:rPr lang="en-US" dirty="0">
-                <a:solidFill>
-                  <a:srgbClr val="E46C0A"/>
-                </a:solidFill>
-              </a:rPr>
-              <a:t>A thread that can acquire a resource but there is no work to do</a:t>
-            </a:r>
-            <a:r>
-              <a:rPr lang="en-US" dirty="0"/>
-              <a:t>. The thread calls </a:t>
-            </a:r>
-            <a:r>
-              <a:rPr lang="en-US" dirty="0" err="1"/>
-              <a:t>object.wait</a:t>
-            </a:r>
-            <a:r>
-              <a:rPr lang="en-US" dirty="0"/>
-              <a:t>() and waits for another thread calling </a:t>
-            </a:r>
-            <a:r>
-              <a:rPr lang="en-US" dirty="0" err="1"/>
-              <a:t>object.notify</a:t>
-            </a:r>
-            <a:r>
-              <a:rPr lang="en-US" dirty="0"/>
-              <a:t>() or </a:t>
-            </a:r>
-            <a:r>
-              <a:rPr lang="en-US" dirty="0" err="1"/>
-              <a:t>object.notifyAll</a:t>
-            </a:r>
-            <a:r>
-              <a:rPr lang="en-US" dirty="0"/>
-              <a:t>()</a:t>
-            </a:r>
-          </a:p>
-        </p:txBody>
-      </p:sp>
-    </p:spTree>
-    <p:extLst>
-      <p:ext uri="{BB962C8B-B14F-4D97-AF65-F5344CB8AC3E}">
-        <p14:creationId xmlns:p14="http://schemas.microsoft.com/office/powerpoint/2010/main" val="2391668690"/>
-      </p:ext>
-    </p:extLst>
-  </p:cSld>
-  <p:clrMapOvr>
-    <a:masterClrMapping/>
-  </p:clrMapOvr>
-</p:sld>
-</file>
-
 <file path=ppt/slides/slide27.xml><?xml version="1.0" encoding="utf-8"?>
 <p:sld xmlns:a="http://schemas.openxmlformats.org/drawingml/2006/main" xmlns:r="http://schemas.openxmlformats.org/officeDocument/2006/relationships" xmlns:p="http://schemas.openxmlformats.org/presentationml/2006/main">
   <p:cSld>
@@ -5824,7 +6486,7 @@
           <a:p>
             <a:r>
               <a:rPr lang="en-US" dirty="0"/>
-              <a:t>Thread state: Blocking</a:t>
+              <a:t>Thread state: Running</a:t>
             </a:r>
           </a:p>
         </p:txBody>
@@ -5836,66 +6498,225 @@
             <a:spLocks noGrp="1"/>
           </p:cNvSpPr>
           <p:nvPr>
-            <p:ph idx="1"/>
+            <p:ph sz="half" idx="1"/>
           </p:nvPr>
         </p:nvSpPr>
         <p:spPr/>
         <p:txBody>
           <a:bodyPr>
-            <a:normAutofit/>
+            <a:normAutofit fontScale="85000" lnSpcReduction="20000"/>
           </a:bodyPr>
           <a:lstStyle/>
           <a:p>
             <a:r>
               <a:rPr lang="en-US" dirty="0"/>
-              <a:t>A thread which is NOT eligible to run</a:t>
-            </a:r>
-          </a:p>
-          <a:p>
+              <a:t>The thread has been selected (from the runnable pool) to be </a:t>
+            </a:r>
             <a:r>
               <a:rPr lang="en-US" dirty="0">
                 <a:solidFill>
                   <a:srgbClr val="E46C0A"/>
                 </a:solidFill>
               </a:rPr>
-              <a:t>A thread blocked waiting for a resource </a:t>
-            </a:r>
-            <a:r>
-              <a:rPr lang="en-US" dirty="0"/>
-              <a:t>( I/O or an object's lock) e.g.:</a:t>
+              <a:t>the currently executing thread</a:t>
+            </a:r>
+            <a:r>
+              <a:rPr lang="en-US" dirty="0"/>
+              <a:t>.</a:t>
+            </a:r>
+          </a:p>
+          <a:p>
+            <a:r>
+              <a:rPr lang="en-US" dirty="0"/>
+              <a:t>Transitions:</a:t>
             </a:r>
           </a:p>
           <a:p>
             <a:pPr lvl="1"/>
             <a:r>
-              <a:rPr lang="en-US" dirty="0"/>
-              <a:t>if data become available in an </a:t>
-            </a:r>
-            <a:r>
               <a:rPr lang="en-US" dirty="0" err="1"/>
-              <a:t>inputstream</a:t>
-            </a:r>
-            <a:r>
-              <a:rPr lang="en-US" dirty="0"/>
-              <a:t> the thread is reading from </a:t>
+              <a:t>Thread.yield</a:t>
+            </a:r>
+            <a:r>
+              <a:rPr lang="en-US" dirty="0"/>
+              <a:t>() (</a:t>
+            </a:r>
+            <a:r>
+              <a:rPr lang="en-US" dirty="0">
+                <a:solidFill>
+                  <a:schemeClr val="accent6">
+                    <a:lumMod val="75000"/>
+                  </a:schemeClr>
+                </a:solidFill>
+              </a:rPr>
+              <a:t>RUNNABLE</a:t>
+            </a:r>
+            <a:r>
+              <a:rPr lang="en-US" dirty="0"/>
+              <a:t>)</a:t>
             </a:r>
           </a:p>
           <a:p>
             <a:pPr lvl="1"/>
             <a:r>
-              <a:rPr lang="en-US" dirty="0"/>
-              <a:t>If an object's lock becomes available</a:t>
+              <a:rPr lang="en-US" dirty="0" err="1"/>
+              <a:t>Thread.sleep</a:t>
+            </a:r>
+            <a:r>
+              <a:rPr lang="en-US" dirty="0"/>
+              <a:t>() (</a:t>
+            </a:r>
+            <a:r>
+              <a:rPr lang="en-US" dirty="0">
+                <a:solidFill>
+                  <a:schemeClr val="accent6">
+                    <a:lumMod val="75000"/>
+                  </a:schemeClr>
+                </a:solidFill>
+              </a:rPr>
+              <a:t>SLEEPING</a:t>
+            </a:r>
+            <a:r>
+              <a:rPr lang="en-US" dirty="0"/>
+              <a:t>)</a:t>
+            </a:r>
+          </a:p>
+          <a:p>
+            <a:pPr lvl="1"/>
+            <a:r>
+              <a:rPr lang="en-US" dirty="0" err="1"/>
+              <a:t>Thread.join</a:t>
+            </a:r>
+            <a:r>
+              <a:rPr lang="en-US" dirty="0"/>
+              <a:t>() (</a:t>
+            </a:r>
+            <a:r>
+              <a:rPr lang="en-US" dirty="0">
+                <a:solidFill>
+                  <a:schemeClr val="accent6">
+                    <a:lumMod val="75000"/>
+                  </a:schemeClr>
+                </a:solidFill>
+              </a:rPr>
+              <a:t>WAITING</a:t>
+            </a:r>
+            <a:r>
+              <a:rPr lang="en-US" dirty="0"/>
+              <a:t>)</a:t>
+            </a:r>
+          </a:p>
+          <a:p>
+            <a:pPr lvl="1"/>
+            <a:r>
+              <a:rPr lang="en-US" dirty="0"/>
+              <a:t>Can acquire a resource but there is no work to do (</a:t>
+            </a:r>
+            <a:r>
+              <a:rPr lang="en-US" dirty="0">
+                <a:solidFill>
+                  <a:schemeClr val="accent6">
+                    <a:lumMod val="75000"/>
+                  </a:schemeClr>
+                </a:solidFill>
+              </a:rPr>
+              <a:t>WAITING</a:t>
+            </a:r>
+            <a:r>
+              <a:rPr lang="en-US" dirty="0"/>
+              <a:t>)</a:t>
+            </a:r>
+          </a:p>
+          <a:p>
+            <a:pPr lvl="1"/>
+            <a:r>
+              <a:rPr lang="en-US" dirty="0"/>
+              <a:t>Awaiting for a resource or I/O completion (</a:t>
+            </a:r>
+            <a:r>
+              <a:rPr lang="en-US" dirty="0">
+                <a:solidFill>
+                  <a:schemeClr val="accent6">
+                    <a:lumMod val="75000"/>
+                  </a:schemeClr>
+                </a:solidFill>
+              </a:rPr>
+              <a:t>BLOCKING</a:t>
+            </a:r>
+            <a:r>
+              <a:rPr lang="en-US" dirty="0"/>
+              <a:t>)</a:t>
+            </a:r>
+          </a:p>
+          <a:p>
+            <a:pPr lvl="1"/>
+            <a:r>
+              <a:rPr lang="en-US" dirty="0"/>
+              <a:t>End of run() method (</a:t>
+            </a:r>
+            <a:r>
+              <a:rPr lang="en-US" dirty="0">
+                <a:solidFill>
+                  <a:schemeClr val="accent6">
+                    <a:lumMod val="75000"/>
+                  </a:schemeClr>
+                </a:solidFill>
+              </a:rPr>
+              <a:t>DEAD</a:t>
+            </a:r>
+            <a:r>
+              <a:rPr lang="en-US" dirty="0"/>
+              <a:t>)</a:t>
             </a:r>
           </a:p>
           <a:p>
             <a:endParaRPr lang="en-US" dirty="0"/>
           </a:p>
-        </p:txBody>
-      </p:sp>
+          <a:p>
+            <a:endParaRPr lang="en-US" dirty="0"/>
+          </a:p>
+        </p:txBody>
+      </p:sp>
+      <p:pic>
+        <p:nvPicPr>
+          <p:cNvPr id="5" name="Picture 4" descr="thread-states.png">
+            <a:extLst>
+              <a:ext uri="{FF2B5EF4-FFF2-40B4-BE49-F238E27FC236}">
+                <a16:creationId xmlns:a16="http://schemas.microsoft.com/office/drawing/2014/main" id="{0D1AFBF0-6ECF-1E4B-AD19-3A4ED94C3A61}"/>
+              </a:ext>
+            </a:extLst>
+          </p:cNvPr>
+          <p:cNvPicPr>
+            <a:picLocks noChangeAspect="1"/>
+          </p:cNvPicPr>
+          <p:nvPr/>
+        </p:nvPicPr>
+        <p:blipFill>
+          <a:blip r:embed="rId2">
+            <a:extLst>
+              <a:ext uri="{28A0092B-C50C-407E-A947-70E740481C1C}">
+                <a14:useLocalDpi xmlns:a14="http://schemas.microsoft.com/office/drawing/2010/main" val="0"/>
+              </a:ext>
+            </a:extLst>
+          </a:blip>
+          <a:stretch>
+            <a:fillRect/>
+          </a:stretch>
+        </p:blipFill>
+        <p:spPr>
+          <a:xfrm>
+            <a:off x="4492257" y="1600200"/>
+            <a:ext cx="4651744" cy="3163186"/>
+          </a:xfrm>
+          <a:prstGeom prst="rect">
+            <a:avLst/>
+          </a:prstGeom>
+        </p:spPr>
+      </p:pic>
     </p:spTree>
     <p:extLst>
       <p:ext uri="{BB962C8B-B14F-4D97-AF65-F5344CB8AC3E}">
-        <p14:creationId xmlns:p14="http://schemas.microsoft.com/office/powerpoint/2010/main" val="2078277307"/>
+        <p14:creationId xmlns:p14="http://schemas.microsoft.com/office/powerpoint/2010/main" val="2548934673"/>
       </p:ext>
     </p:extLst>
   </p:cSld>
@@ -5939,7 +6760,7 @@
           <a:p>
             <a:r>
               <a:rPr lang="en-US" dirty="0"/>
-              <a:t>Thread state: Sleeping</a:t>
+              <a:t>Thread state: Runnable</a:t>
             </a:r>
           </a:p>
         </p:txBody>
@@ -5951,68 +6772,37 @@
             <a:spLocks noGrp="1"/>
           </p:cNvSpPr>
           <p:nvPr>
-            <p:ph idx="1"/>
+            <p:ph sz="half" idx="1"/>
           </p:nvPr>
         </p:nvSpPr>
         <p:spPr/>
         <p:txBody>
           <a:bodyPr>
-            <a:normAutofit/>
+            <a:normAutofit fontScale="92500" lnSpcReduction="20000"/>
           </a:bodyPr>
           <a:lstStyle/>
           <a:p>
             <a:r>
-              <a:rPr lang="en-US" dirty="0"/>
-              <a:t>A thread which is sleeping after an explicit call to the sleep() method</a:t>
-            </a:r>
-          </a:p>
-          <a:p>
-            <a:r>
-              <a:rPr lang="en-US" dirty="0"/>
-              <a:t>Back to Runnable state when the thread wakes up because its sleep time has expired.</a:t>
-            </a:r>
-          </a:p>
-          <a:p>
-            <a:pPr marL="0" indent="0">
-              <a:buNone/>
-            </a:pPr>
-            <a:r>
-              <a:rPr lang="en-US" sz="2800" dirty="0"/>
-              <a:t>try {</a:t>
-            </a:r>
-          </a:p>
-          <a:p>
-            <a:pPr marL="0" indent="0">
-              <a:buNone/>
-            </a:pPr>
-            <a:r>
-              <a:rPr lang="en-US" sz="2800" dirty="0"/>
-              <a:t>	</a:t>
-            </a:r>
-            <a:r>
-              <a:rPr lang="en-US" sz="2800" dirty="0" err="1"/>
-              <a:t>Thread.sleep</a:t>
-            </a:r>
-            <a:r>
-              <a:rPr lang="en-US" sz="2800" dirty="0"/>
-              <a:t>(1000);  // one second</a:t>
-            </a:r>
-          </a:p>
-          <a:p>
-            <a:pPr marL="0" indent="0">
-              <a:buNone/>
-            </a:pPr>
-            <a:r>
-              <a:rPr lang="en-US" sz="2800" dirty="0"/>
-              <a:t>} catch (</a:t>
-            </a:r>
-            <a:r>
-              <a:rPr lang="en-US" sz="2800" dirty="0" err="1"/>
-              <a:t>InterruptedException</a:t>
-            </a:r>
-            <a:r>
-              <a:rPr lang="en-US" sz="2800" dirty="0"/>
-              <a:t> ex) { }</a:t>
+              <a:rPr lang="en-US" dirty="0">
+                <a:solidFill>
+                  <a:schemeClr val="accent6">
+                    <a:lumMod val="75000"/>
+                  </a:schemeClr>
+                </a:solidFill>
+              </a:rPr>
+              <a:t>A thread which is eligible to run, but the scheduler has not selected it to be the running thread</a:t>
+            </a:r>
+          </a:p>
+          <a:p>
+            <a:r>
+              <a:rPr lang="en-US" dirty="0"/>
+              <a:t>A thread first enters the runnable state when the start() method is invoked</a:t>
+            </a:r>
+          </a:p>
+          <a:p>
+            <a:r>
+              <a:rPr lang="en-US" dirty="0"/>
+              <a:t>A thread can also return to the runnable state after either the running, blocked, waiting, or sleeping state	</a:t>
             </a:r>
           </a:p>
           <a:p>
@@ -6020,10 +6810,46 @@
           </a:p>
         </p:txBody>
       </p:sp>
+      <p:pic>
+        <p:nvPicPr>
+          <p:cNvPr id="5" name="Picture 4" descr="thread-states.png">
+            <a:extLst>
+              <a:ext uri="{FF2B5EF4-FFF2-40B4-BE49-F238E27FC236}">
+                <a16:creationId xmlns:a16="http://schemas.microsoft.com/office/drawing/2014/main" id="{67986BB7-F8AC-2F44-8467-026D2E21DF99}"/>
+              </a:ext>
+            </a:extLst>
+          </p:cNvPr>
+          <p:cNvPicPr>
+            <a:picLocks noChangeAspect="1"/>
+          </p:cNvPicPr>
+          <p:nvPr/>
+        </p:nvPicPr>
+        <p:blipFill>
+          <a:blip r:embed="rId2">
+            <a:extLst>
+              <a:ext uri="{28A0092B-C50C-407E-A947-70E740481C1C}">
+                <a14:useLocalDpi xmlns:a14="http://schemas.microsoft.com/office/drawing/2010/main" val="0"/>
+              </a:ext>
+            </a:extLst>
+          </a:blip>
+          <a:stretch>
+            <a:fillRect/>
+          </a:stretch>
+        </p:blipFill>
+        <p:spPr>
+          <a:xfrm>
+            <a:off x="4492257" y="1600200"/>
+            <a:ext cx="4651744" cy="3163186"/>
+          </a:xfrm>
+          <a:prstGeom prst="rect">
+            <a:avLst/>
+          </a:prstGeom>
+        </p:spPr>
+      </p:pic>
     </p:spTree>
     <p:extLst>
       <p:ext uri="{BB962C8B-B14F-4D97-AF65-F5344CB8AC3E}">
-        <p14:creationId xmlns:p14="http://schemas.microsoft.com/office/powerpoint/2010/main" val="559429132"/>
+        <p14:creationId xmlns:p14="http://schemas.microsoft.com/office/powerpoint/2010/main" val="1492270865"/>
       </p:ext>
     </p:extLst>
   </p:cSld>
@@ -6067,7 +6893,7 @@
           <a:p>
             <a:r>
               <a:rPr lang="en-US" dirty="0"/>
-              <a:t>Thread priority</a:t>
+              <a:t>Thread state: Waiting</a:t>
             </a:r>
           </a:p>
         </p:txBody>
@@ -6079,7 +6905,7 @@
             <a:spLocks noGrp="1"/>
           </p:cNvSpPr>
           <p:nvPr>
-            <p:ph idx="1"/>
+            <p:ph sz="half" idx="1"/>
           </p:nvPr>
         </p:nvSpPr>
         <p:spPr/>
@@ -6095,155 +6921,108 @@
                   <a:srgbClr val="E46C0A"/>
                 </a:solidFill>
               </a:rPr>
-              <a:t>By default, a thread gets the priority of the thread creating it.</a:t>
-            </a:r>
-          </a:p>
-          <a:p>
-            <a:r>
-              <a:rPr lang="en-US" dirty="0"/>
-              <a:t>Priority values are defined between 1 and 10</a:t>
-            </a:r>
-          </a:p>
-          <a:p>
-            <a:pPr marL="0" indent="0">
-              <a:buNone/>
-            </a:pPr>
-            <a:r>
-              <a:rPr lang="en-US" sz="2200" dirty="0" err="1">
-                <a:latin typeface="Consolas"/>
-                <a:cs typeface="Consolas"/>
-              </a:rPr>
-              <a:t>Thread.MIN_PRIORITY</a:t>
-            </a:r>
-            <a:r>
-              <a:rPr lang="en-US" sz="2200" dirty="0">
-                <a:latin typeface="Consolas"/>
-                <a:cs typeface="Consolas"/>
-              </a:rPr>
-              <a:t>	 (== 1)</a:t>
-            </a:r>
-          </a:p>
-          <a:p>
-            <a:pPr marL="0" indent="0">
-              <a:buNone/>
-            </a:pPr>
-            <a:r>
-              <a:rPr lang="en-US" sz="2200" dirty="0" err="1">
-                <a:latin typeface="Consolas"/>
-                <a:cs typeface="Consolas"/>
-              </a:rPr>
-              <a:t>Thread.NORM_PRIORITY</a:t>
-            </a:r>
-            <a:r>
-              <a:rPr lang="en-US" sz="2200" dirty="0">
-                <a:latin typeface="Consolas"/>
-                <a:cs typeface="Consolas"/>
-              </a:rPr>
-              <a:t>  (== 5)</a:t>
-            </a:r>
-          </a:p>
-          <a:p>
-            <a:pPr marL="0" indent="0">
-              <a:buNone/>
-            </a:pPr>
-            <a:r>
-              <a:rPr lang="en-US" sz="2200" dirty="0" err="1">
-                <a:latin typeface="Consolas"/>
-                <a:cs typeface="Consolas"/>
-              </a:rPr>
-              <a:t>Thread.MAX_PRIORITY</a:t>
-            </a:r>
-            <a:r>
-              <a:rPr lang="en-US" sz="2200" dirty="0">
-                <a:latin typeface="Consolas"/>
-                <a:cs typeface="Consolas"/>
-              </a:rPr>
-              <a:t>	 (== 10)</a:t>
-            </a:r>
-          </a:p>
-          <a:p>
-            <a:r>
-              <a:rPr lang="en-US" dirty="0"/>
-              <a:t>Priority can be directly set</a:t>
-            </a:r>
-            <a:endParaRPr lang="en-US" sz="2200" dirty="0">
-              <a:latin typeface="Consolas"/>
-              <a:cs typeface="Consolas"/>
-            </a:endParaRPr>
-          </a:p>
-          <a:p>
-            <a:pPr marL="0" indent="0">
-              <a:buNone/>
-            </a:pPr>
-            <a:r>
-              <a:rPr lang="en-US" sz="2200" dirty="0">
-                <a:latin typeface="Consolas"/>
-                <a:cs typeface="Consolas"/>
-              </a:rPr>
-              <a:t>Thread t = new Thread(new Runnable()); </a:t>
-            </a:r>
-          </a:p>
-          <a:p>
-            <a:pPr marL="0" indent="0">
-              <a:buNone/>
-            </a:pPr>
-            <a:r>
-              <a:rPr lang="en-US" sz="2200" dirty="0" err="1">
-                <a:latin typeface="Consolas"/>
-                <a:cs typeface="Consolas"/>
-              </a:rPr>
-              <a:t>t.setPriority</a:t>
-            </a:r>
-            <a:r>
-              <a:rPr lang="en-US" sz="2200" dirty="0">
-                <a:latin typeface="Consolas"/>
-                <a:cs typeface="Consolas"/>
-              </a:rPr>
-              <a:t>(</a:t>
-            </a:r>
-            <a:r>
-              <a:rPr lang="en-US" sz="2200" dirty="0" err="1">
-                <a:latin typeface="Consolas"/>
-                <a:cs typeface="Consolas"/>
-              </a:rPr>
-              <a:t>Thread.MAX_PRIORITY</a:t>
-            </a:r>
-            <a:r>
-              <a:rPr lang="en-US" sz="2200" dirty="0">
-                <a:latin typeface="Consolas"/>
-                <a:cs typeface="Consolas"/>
-              </a:rPr>
-              <a:t>);	</a:t>
-            </a:r>
-          </a:p>
-          <a:p>
-            <a:pPr marL="0" indent="0">
-              <a:buNone/>
-            </a:pPr>
-            <a:r>
-              <a:rPr lang="en-US" sz="2200" dirty="0" err="1">
-                <a:latin typeface="Consolas"/>
-                <a:cs typeface="Consolas"/>
-              </a:rPr>
-              <a:t>t.start</a:t>
-            </a:r>
-            <a:r>
-              <a:rPr lang="en-US" sz="2200" dirty="0">
-                <a:latin typeface="Consolas"/>
-                <a:cs typeface="Consolas"/>
-              </a:rPr>
-              <a:t>();</a:t>
-            </a:r>
-          </a:p>
-          <a:p>
+              <a:t>A thread that can acquire a resource but there is no work to do</a:t>
+            </a:r>
+          </a:p>
+          <a:p>
+            <a:r>
+              <a:rPr lang="en-US" dirty="0">
+                <a:solidFill>
+                  <a:srgbClr val="E46C0A"/>
+                </a:solidFill>
+              </a:rPr>
+              <a:t>A thread awaiting for its children (</a:t>
+            </a:r>
+            <a:r>
+              <a:rPr lang="en-US" dirty="0" err="1">
+                <a:solidFill>
+                  <a:srgbClr val="E46C0A"/>
+                </a:solidFill>
+              </a:rPr>
+              <a:t>Thread.join</a:t>
+            </a:r>
+            <a:r>
+              <a:rPr lang="en-US" dirty="0">
+                <a:solidFill>
+                  <a:srgbClr val="E46C0A"/>
+                </a:solidFill>
+              </a:rPr>
+              <a:t>())</a:t>
+            </a:r>
             <a:endParaRPr lang="en-US" dirty="0"/>
           </a:p>
-        </p:txBody>
-      </p:sp>
+          <a:p>
+            <a:r>
+              <a:rPr lang="en-US" dirty="0"/>
+              <a:t>The thread calls </a:t>
+            </a:r>
+            <a:r>
+              <a:rPr lang="en-US" dirty="0" err="1"/>
+              <a:t>object.wait</a:t>
+            </a:r>
+            <a:r>
+              <a:rPr lang="en-US" dirty="0"/>
+              <a:t>() and waits for another thread to call </a:t>
+            </a:r>
+            <a:r>
+              <a:rPr lang="en-US" dirty="0" err="1"/>
+              <a:t>object.notify</a:t>
+            </a:r>
+            <a:r>
+              <a:rPr lang="en-US" dirty="0"/>
+              <a:t>() or </a:t>
+            </a:r>
+            <a:r>
+              <a:rPr lang="en-US" dirty="0" err="1"/>
+              <a:t>object.notifyAll</a:t>
+            </a:r>
+            <a:r>
+              <a:rPr lang="en-US" dirty="0"/>
+              <a:t>()</a:t>
+            </a:r>
+          </a:p>
+        </p:txBody>
+      </p:sp>
+      <p:pic>
+        <p:nvPicPr>
+          <p:cNvPr id="5" name="Picture 4" descr="thread-states.png">
+            <a:extLst>
+              <a:ext uri="{FF2B5EF4-FFF2-40B4-BE49-F238E27FC236}">
+                <a16:creationId xmlns:a16="http://schemas.microsoft.com/office/drawing/2014/main" id="{B9CDDEB6-62CE-0A42-8848-F6F10E30DE09}"/>
+              </a:ext>
+            </a:extLst>
+          </p:cNvPr>
+          <p:cNvPicPr>
+            <a:picLocks noChangeAspect="1"/>
+          </p:cNvPicPr>
+          <p:nvPr/>
+        </p:nvPicPr>
+        <p:blipFill>
+          <a:blip r:embed="rId2">
+            <a:extLst>
+              <a:ext uri="{28A0092B-C50C-407E-A947-70E740481C1C}">
+                <a14:useLocalDpi xmlns:a14="http://schemas.microsoft.com/office/drawing/2010/main" val="0"/>
+              </a:ext>
+            </a:extLst>
+          </a:blip>
+          <a:stretch>
+            <a:fillRect/>
+          </a:stretch>
+        </p:blipFill>
+        <p:spPr>
+          <a:xfrm>
+            <a:off x="4492257" y="1600200"/>
+            <a:ext cx="4651744" cy="3163186"/>
+          </a:xfrm>
+          <a:prstGeom prst="rect">
+            <a:avLst/>
+          </a:prstGeom>
+        </p:spPr>
+      </p:pic>
     </p:spTree>
     <p:extLst>
       <p:ext uri="{BB962C8B-B14F-4D97-AF65-F5344CB8AC3E}">
-        <p14:creationId xmlns:p14="http://schemas.microsoft.com/office/powerpoint/2010/main" val="2236805615"/>
+        <p14:creationId xmlns:p14="http://schemas.microsoft.com/office/powerpoint/2010/main" val="2391668690"/>
       </p:ext>
     </p:extLst>
   </p:cSld>
@@ -6287,7 +7066,7 @@
           <a:p>
             <a:r>
               <a:rPr lang="en-US" dirty="0"/>
-              <a:t>JVM and Operating System</a:t>
+              <a:t>Threads</a:t>
             </a:r>
           </a:p>
         </p:txBody>
@@ -6310,67 +7089,84 @@
           <a:lstStyle/>
           <a:p>
             <a:r>
-              <a:rPr lang="en-US" sz="2800" dirty="0"/>
-              <a:t>The JVM gets the CPU as assigned by the OS’s scheduling mechanism</a:t>
-            </a:r>
-          </a:p>
-          <a:p>
-            <a:r>
-              <a:rPr lang="en-US" sz="2800" dirty="0">
+              <a:rPr lang="en-US" sz="2500" dirty="0"/>
+              <a:t>Threads are sometimes called </a:t>
+            </a:r>
+            <a:r>
+              <a:rPr lang="en-US" sz="2500" dirty="0">
                 <a:solidFill>
                   <a:schemeClr val="accent6">
                     <a:lumMod val="75000"/>
                   </a:schemeClr>
                 </a:solidFill>
               </a:rPr>
-              <a:t>Java is a specification with many different implementations*</a:t>
-            </a:r>
-          </a:p>
-          <a:p>
-            <a:pPr lvl="1"/>
-            <a:r>
-              <a:rPr lang="en-US" dirty="0"/>
-              <a:t>Some JVMs operate like a mini-OS and schedule their own threads</a:t>
-            </a:r>
-          </a:p>
-          <a:p>
-            <a:pPr lvl="1"/>
-            <a:r>
-              <a:rPr lang="en-US" dirty="0">
+              <a:t>lightweight processes. </a:t>
+            </a:r>
+            <a:r>
+              <a:rPr lang="en-US" sz="2500" dirty="0"/>
+              <a:t>Like processes, </a:t>
+            </a:r>
+            <a:r>
+              <a:rPr lang="en-US" sz="2500" dirty="0">
+                <a:solidFill>
+                  <a:schemeClr val="accent6">
+                    <a:lumMod val="75000"/>
+                  </a:schemeClr>
+                </a:solidFill>
+              </a:rPr>
+              <a:t>each thread has its own stack, program counter, and local variables </a:t>
+            </a:r>
+          </a:p>
+          <a:p>
+            <a:r>
+              <a:rPr lang="en-US" sz="2500" dirty="0"/>
+              <a:t>However, </a:t>
+            </a:r>
+            <a:r>
+              <a:rPr lang="en-US" sz="2500" dirty="0">
                 <a:solidFill>
                   <a:srgbClr val="E46C0A"/>
                 </a:solidFill>
               </a:rPr>
-              <a:t>Most JVMs use the OS scheduler (a Java thread is actually mapped to a system thread)</a:t>
-            </a:r>
-            <a:endParaRPr lang="en-US" dirty="0"/>
-          </a:p>
-          <a:p>
-            <a:pPr marL="0" lvl="1" indent="0">
-              <a:buNone/>
-            </a:pPr>
-            <a:r>
-              <a:rPr lang="en-US" sz="2400" dirty="0"/>
-              <a:t>*</a:t>
-            </a:r>
-            <a:r>
-              <a:rPr lang="en-US" sz="2400" dirty="0">
-                <a:hlinkClick r:id="rId2"/>
-              </a:rPr>
-              <a:t>https://en.wikipedia.org/wiki/List_of_Java_virtual_machines</a:t>
-            </a:r>
-            <a:endParaRPr lang="en-US" sz="2400" dirty="0">
-              <a:solidFill>
-                <a:srgbClr val="E46C0A"/>
-              </a:solidFill>
-            </a:endParaRPr>
+              <a:t>threads within the same process are less insulated from each other </a:t>
+            </a:r>
+            <a:r>
+              <a:rPr lang="en-US" sz="2500" dirty="0"/>
+              <a:t>than processes. They share the same address space and, consequently, can share variables and objects</a:t>
+            </a:r>
+          </a:p>
+          <a:p>
+            <a:r>
+              <a:rPr lang="en-US" sz="2500" dirty="0">
+                <a:solidFill>
+                  <a:schemeClr val="accent6">
+                    <a:lumMod val="75000"/>
+                  </a:schemeClr>
+                </a:solidFill>
+              </a:rPr>
+              <a:t>Sharing variables is a simple and fast way threads use for communicating but frequently causes bugs unseen in single-thread programs</a:t>
+            </a:r>
+          </a:p>
+          <a:p>
+            <a:r>
+              <a:rPr lang="en-US" sz="2500" dirty="0"/>
+              <a:t>OOP principle of </a:t>
+            </a:r>
+            <a:r>
+              <a:rPr lang="en-US" sz="2500" i="1" dirty="0"/>
+              <a:t>separation of concerns</a:t>
+            </a:r>
+            <a:r>
+              <a:rPr lang="en-US" sz="2500" dirty="0"/>
+              <a:t> can be broken!</a:t>
+            </a:r>
           </a:p>
         </p:txBody>
       </p:sp>
     </p:spTree>
     <p:extLst>
       <p:ext uri="{BB962C8B-B14F-4D97-AF65-F5344CB8AC3E}">
-        <p14:creationId xmlns:p14="http://schemas.microsoft.com/office/powerpoint/2010/main" val="2954736820"/>
+        <p14:creationId xmlns:p14="http://schemas.microsoft.com/office/powerpoint/2010/main" val="1144271564"/>
       </p:ext>
     </p:extLst>
   </p:cSld>
@@ -6414,7 +7210,7 @@
           <a:p>
             <a:r>
               <a:rPr lang="en-US" dirty="0"/>
-              <a:t>JVM scheduling policy</a:t>
+              <a:t>Thread state: Blocking</a:t>
             </a:r>
           </a:p>
         </p:txBody>
@@ -6426,61 +7222,29 @@
             <a:spLocks noGrp="1"/>
           </p:cNvSpPr>
           <p:nvPr>
-            <p:ph idx="1"/>
+            <p:ph sz="half" idx="1"/>
           </p:nvPr>
         </p:nvSpPr>
         <p:spPr/>
         <p:txBody>
           <a:bodyPr>
-            <a:normAutofit fontScale="92500" lnSpcReduction="10000"/>
+            <a:normAutofit/>
           </a:bodyPr>
           <a:lstStyle/>
           <a:p>
-            <a:r>
-              <a:rPr lang="en-US" dirty="0"/>
-              <a:t>A thread always runs with a priority number</a:t>
-            </a:r>
-          </a:p>
-          <a:p>
-            <a:r>
-              <a:rPr lang="en-US" dirty="0"/>
-              <a:t>The scheduler in most JVMs uses </a:t>
-            </a:r>
             <a:r>
               <a:rPr lang="en-US" dirty="0">
                 <a:solidFill>
                   <a:srgbClr val="E46C0A"/>
                 </a:solidFill>
               </a:rPr>
-              <a:t>time-sliced, preemptive, priority-based</a:t>
-            </a:r>
-            <a:r>
-              <a:rPr lang="en-US" dirty="0"/>
-              <a:t> scheduling</a:t>
-            </a:r>
-          </a:p>
-          <a:p>
-            <a:pPr lvl="1"/>
-            <a:r>
-              <a:rPr lang="en-US" dirty="0"/>
-              <a:t>each thread is allocated a fair amount of time, after that it is sent back to runnable to give another thread a chance</a:t>
-            </a:r>
-          </a:p>
-          <a:p>
-            <a:r>
-              <a:rPr lang="en-US" dirty="0">
-                <a:solidFill>
-                  <a:srgbClr val="E46C0A"/>
-                </a:solidFill>
-              </a:rPr>
-              <a:t>JVM specification does not require a VM to implement a time-slicing scheduler !</a:t>
-            </a:r>
-          </a:p>
-          <a:p>
-            <a:pPr lvl="1"/>
-            <a:r>
-              <a:rPr lang="en-US" dirty="0"/>
-              <a:t>some JVM may use a scheduler that lets one thread stay running until it completes its run() method</a:t>
+              <a:t>A thread waiting for a resource </a:t>
+            </a:r>
+          </a:p>
+          <a:p>
+            <a:r>
+              <a:rPr lang="en-US" dirty="0"/>
+              <a:t>For example, awaiting for the completion of I/O operations or for an object's lock</a:t>
             </a:r>
           </a:p>
           <a:p>
@@ -6488,10 +7252,46 @@
           </a:p>
         </p:txBody>
       </p:sp>
+      <p:pic>
+        <p:nvPicPr>
+          <p:cNvPr id="5" name="Picture 4" descr="thread-states.png">
+            <a:extLst>
+              <a:ext uri="{FF2B5EF4-FFF2-40B4-BE49-F238E27FC236}">
+                <a16:creationId xmlns:a16="http://schemas.microsoft.com/office/drawing/2014/main" id="{AB63AC89-46C1-6647-990A-7498DDB7B37C}"/>
+              </a:ext>
+            </a:extLst>
+          </p:cNvPr>
+          <p:cNvPicPr>
+            <a:picLocks noChangeAspect="1"/>
+          </p:cNvPicPr>
+          <p:nvPr/>
+        </p:nvPicPr>
+        <p:blipFill>
+          <a:blip r:embed="rId2">
+            <a:extLst>
+              <a:ext uri="{28A0092B-C50C-407E-A947-70E740481C1C}">
+                <a14:useLocalDpi xmlns:a14="http://schemas.microsoft.com/office/drawing/2010/main" val="0"/>
+              </a:ext>
+            </a:extLst>
+          </a:blip>
+          <a:stretch>
+            <a:fillRect/>
+          </a:stretch>
+        </p:blipFill>
+        <p:spPr>
+          <a:xfrm>
+            <a:off x="4492257" y="1600200"/>
+            <a:ext cx="4651744" cy="3163186"/>
+          </a:xfrm>
+          <a:prstGeom prst="rect">
+            <a:avLst/>
+          </a:prstGeom>
+        </p:spPr>
+      </p:pic>
     </p:spTree>
     <p:extLst>
       <p:ext uri="{BB962C8B-B14F-4D97-AF65-F5344CB8AC3E}">
-        <p14:creationId xmlns:p14="http://schemas.microsoft.com/office/powerpoint/2010/main" val="3841656175"/>
+        <p14:creationId xmlns:p14="http://schemas.microsoft.com/office/powerpoint/2010/main" val="2078277307"/>
       </p:ext>
     </p:extLst>
   </p:cSld>
@@ -6535,7 +7335,7 @@
           <a:p>
             <a:r>
               <a:rPr lang="en-US" dirty="0"/>
-              <a:t>Checking JVM scheduler</a:t>
+              <a:t>Thread state: Sleeping</a:t>
             </a:r>
           </a:p>
         </p:txBody>
@@ -6547,25 +7347,45 @@
             <a:spLocks noGrp="1"/>
           </p:cNvSpPr>
           <p:nvPr>
-            <p:ph idx="1"/>
+            <p:ph sz="half" idx="1"/>
           </p:nvPr>
         </p:nvSpPr>
         <p:spPr/>
         <p:txBody>
           <a:bodyPr>
-            <a:normAutofit fontScale="92500" lnSpcReduction="10000"/>
+            <a:normAutofit/>
           </a:bodyPr>
           <a:lstStyle/>
           <a:p>
+            <a:r>
+              <a:rPr lang="en-US" sz="2000" dirty="0"/>
+              <a:t>A thread which is sleeping after an explicit call to </a:t>
+            </a:r>
+            <a:r>
+              <a:rPr lang="en-US" sz="2000" dirty="0" err="1"/>
+              <a:t>Thread.sleep</a:t>
+            </a:r>
+            <a:r>
+              <a:rPr lang="en-US" sz="2000" dirty="0"/>
+              <a:t>() </a:t>
+            </a:r>
+          </a:p>
+          <a:p>
+            <a:r>
+              <a:rPr lang="en-US" sz="2000" dirty="0"/>
+              <a:t>Back to Runnable state when the thread wakes up because its sleep time has expired.</a:t>
+            </a:r>
+          </a:p>
+          <a:p>
             <a:pPr marL="0" indent="0">
               <a:buNone/>
             </a:pPr>
             <a:r>
-              <a:rPr lang="en-US" sz="1500" b="1" dirty="0">
-                <a:latin typeface="Consolas"/>
-                <a:cs typeface="Consolas"/>
-              </a:rPr>
-              <a:t>public class Hamlet implements Runnable { </a:t>
+              <a:rPr lang="en-US" sz="2000" dirty="0">
+                <a:latin typeface="Consolas" panose="020B0609020204030204" pitchFamily="49" charset="0"/>
+                <a:cs typeface="Consolas" panose="020B0609020204030204" pitchFamily="49" charset="0"/>
+              </a:rPr>
+              <a:t>try {</a:t>
             </a:r>
           </a:p>
           <a:p>
@@ -6573,11 +7393,25 @@
               <a:buNone/>
             </a:pPr>
             <a:r>
-              <a:rPr lang="en-US" sz="1500" b="1" dirty="0">
-                <a:latin typeface="Consolas"/>
-                <a:cs typeface="Consolas"/>
-              </a:rPr>
-              <a:t>	public void run(){ </a:t>
+              <a:rPr lang="en-US" sz="2000" dirty="0">
+                <a:latin typeface="Consolas" panose="020B0609020204030204" pitchFamily="49" charset="0"/>
+                <a:cs typeface="Consolas" panose="020B0609020204030204" pitchFamily="49" charset="0"/>
+              </a:rPr>
+              <a:t>	</a:t>
+            </a:r>
+            <a:r>
+              <a:rPr lang="en-US" sz="2000" dirty="0" err="1">
+                <a:latin typeface="Consolas" panose="020B0609020204030204" pitchFamily="49" charset="0"/>
+                <a:cs typeface="Consolas" panose="020B0609020204030204" pitchFamily="49" charset="0"/>
+              </a:rPr>
+              <a:t>Thread.sleep</a:t>
+            </a:r>
+            <a:r>
+              <a:rPr lang="en-US" sz="2000" dirty="0">
+                <a:latin typeface="Consolas" panose="020B0609020204030204" pitchFamily="49" charset="0"/>
+                <a:cs typeface="Consolas" panose="020B0609020204030204" pitchFamily="49" charset="0"/>
+              </a:rPr>
+              <a:t>(1000);  // one second</a:t>
             </a:r>
           </a:p>
           <a:p>
@@ -6585,200 +7419,72 @@
               <a:buNone/>
             </a:pPr>
             <a:r>
-              <a:rPr lang="en-US" sz="1500" b="1" dirty="0">
-                <a:latin typeface="Consolas"/>
-                <a:cs typeface="Consolas"/>
-              </a:rPr>
-              <a:t>		while(true)</a:t>
-            </a:r>
-          </a:p>
-          <a:p>
-            <a:pPr marL="0" indent="0">
-              <a:buNone/>
-            </a:pPr>
-            <a:r>
-              <a:rPr lang="en-US" sz="1500" b="1" dirty="0">
-                <a:latin typeface="Consolas"/>
-                <a:cs typeface="Consolas"/>
-              </a:rPr>
-              <a:t>			</a:t>
-            </a:r>
-            <a:r>
-              <a:rPr lang="en-US" sz="1500" b="1" dirty="0" err="1">
-                <a:latin typeface="Consolas"/>
-                <a:cs typeface="Consolas"/>
-              </a:rPr>
-              <a:t>System.out.println</a:t>
-            </a:r>
-            <a:r>
-              <a:rPr lang="en-US" sz="1500" b="1" dirty="0">
-                <a:latin typeface="Consolas"/>
-                <a:cs typeface="Consolas"/>
-              </a:rPr>
-              <a:t>(</a:t>
-            </a:r>
-            <a:r>
-              <a:rPr lang="en-US" sz="1500" b="1" dirty="0" err="1">
-                <a:latin typeface="Consolas"/>
-                <a:cs typeface="Consolas"/>
-              </a:rPr>
-              <a:t>Thread.currentThread</a:t>
-            </a:r>
-            <a:r>
-              <a:rPr lang="en-US" sz="1500" b="1" dirty="0">
-                <a:latin typeface="Consolas"/>
-                <a:cs typeface="Consolas"/>
-              </a:rPr>
-              <a:t>().</a:t>
-            </a:r>
-            <a:r>
-              <a:rPr lang="en-US" sz="1500" b="1" dirty="0" err="1">
-                <a:latin typeface="Consolas"/>
-                <a:cs typeface="Consolas"/>
-              </a:rPr>
-              <a:t>getName</a:t>
-            </a:r>
-            <a:r>
-              <a:rPr lang="en-US" sz="1500" b="1" dirty="0">
-                <a:latin typeface="Consolas"/>
-                <a:cs typeface="Consolas"/>
-              </a:rPr>
-              <a:t>());</a:t>
-            </a:r>
-          </a:p>
-          <a:p>
-            <a:pPr marL="0" indent="0">
-              <a:buNone/>
-            </a:pPr>
-            <a:r>
-              <a:rPr lang="en-US" sz="1500" b="1" dirty="0">
-                <a:latin typeface="Consolas"/>
-                <a:cs typeface="Consolas"/>
-              </a:rPr>
-              <a:t>	}}</a:t>
-            </a:r>
-          </a:p>
-          <a:p>
-            <a:pPr marL="0" indent="0">
-              <a:buNone/>
-            </a:pPr>
-            <a:r>
-              <a:rPr lang="en-US" sz="1500" b="1" dirty="0">
-                <a:latin typeface="Consolas"/>
-                <a:cs typeface="Consolas"/>
-              </a:rPr>
-              <a:t>public class </a:t>
-            </a:r>
-            <a:r>
-              <a:rPr lang="en-US" sz="1500" b="1" dirty="0" err="1">
-                <a:latin typeface="Consolas"/>
-                <a:cs typeface="Consolas"/>
-              </a:rPr>
-              <a:t>TryHamlet</a:t>
-            </a:r>
-            <a:r>
-              <a:rPr lang="en-US" sz="1500" b="1" dirty="0">
-                <a:latin typeface="Consolas"/>
-                <a:cs typeface="Consolas"/>
-              </a:rPr>
-              <a:t> {</a:t>
-            </a:r>
-          </a:p>
-          <a:p>
-            <a:pPr marL="0" indent="0">
-              <a:buNone/>
-            </a:pPr>
-            <a:r>
-              <a:rPr lang="en-US" sz="1500" b="1" dirty="0">
-                <a:latin typeface="Consolas"/>
-                <a:cs typeface="Consolas"/>
-              </a:rPr>
-              <a:t>	public static void main(String </a:t>
-            </a:r>
-            <a:r>
-              <a:rPr lang="en-US" sz="1500" b="1" dirty="0" err="1">
-                <a:latin typeface="Consolas"/>
-                <a:cs typeface="Consolas"/>
-              </a:rPr>
-              <a:t>argv</a:t>
-            </a:r>
-            <a:r>
-              <a:rPr lang="en-US" sz="1500" b="1" dirty="0">
-                <a:latin typeface="Consolas"/>
-                <a:cs typeface="Consolas"/>
-              </a:rPr>
-              <a:t>[]) { </a:t>
-            </a:r>
-          </a:p>
-          <a:p>
-            <a:pPr marL="0" indent="0">
-              <a:buNone/>
-            </a:pPr>
-            <a:r>
-              <a:rPr lang="en-US" sz="1500" b="1" dirty="0">
-                <a:latin typeface="Consolas"/>
-                <a:cs typeface="Consolas"/>
-              </a:rPr>
-              <a:t>		Hamlet r = new Hamlet (); </a:t>
-            </a:r>
-          </a:p>
-          <a:p>
-            <a:pPr marL="0" indent="0">
-              <a:buNone/>
-            </a:pPr>
-            <a:r>
-              <a:rPr lang="en-US" sz="1500" b="1" dirty="0">
-                <a:latin typeface="Consolas"/>
-                <a:cs typeface="Consolas"/>
-              </a:rPr>
-              <a:t>		new Thread(r, “To be”).start();</a:t>
-            </a:r>
-          </a:p>
-          <a:p>
-            <a:pPr marL="0" indent="0">
-              <a:buNone/>
-            </a:pPr>
-            <a:r>
-              <a:rPr lang="en-US" sz="1500" b="1" dirty="0">
-                <a:latin typeface="Consolas"/>
-                <a:cs typeface="Consolas"/>
-              </a:rPr>
-              <a:t>		new Thread(r, “Not to be”).start();</a:t>
-            </a:r>
-          </a:p>
-          <a:p>
-            <a:pPr marL="0" indent="0">
-              <a:buNone/>
-            </a:pPr>
-            <a:r>
-              <a:rPr lang="en-US" sz="1500" b="1" dirty="0">
-                <a:latin typeface="Consolas"/>
-                <a:cs typeface="Consolas"/>
-              </a:rPr>
-              <a:t>	}}</a:t>
-            </a:r>
-          </a:p>
-          <a:p>
-            <a:r>
-              <a:rPr lang="en-US" dirty="0"/>
-              <a:t>If the scheduler is non-preemptive the first thread chosen runs forever</a:t>
-            </a:r>
-          </a:p>
-          <a:p>
-            <a:r>
-              <a:rPr lang="en-US" dirty="0"/>
-              <a:t>If the scheduler is preemptive both threads randomly alternate</a:t>
-            </a:r>
-          </a:p>
-          <a:p>
-            <a:endParaRPr lang="en-US" dirty="0"/>
-          </a:p>
-        </p:txBody>
-      </p:sp>
+              <a:rPr lang="en-US" sz="2000" dirty="0">
+                <a:latin typeface="Consolas" panose="020B0609020204030204" pitchFamily="49" charset="0"/>
+                <a:cs typeface="Consolas" panose="020B0609020204030204" pitchFamily="49" charset="0"/>
+              </a:rPr>
+              <a:t>} catch (</a:t>
+            </a:r>
+            <a:r>
+              <a:rPr lang="en-US" sz="2000" dirty="0" err="1">
+                <a:latin typeface="Consolas" panose="020B0609020204030204" pitchFamily="49" charset="0"/>
+                <a:cs typeface="Consolas" panose="020B0609020204030204" pitchFamily="49" charset="0"/>
+              </a:rPr>
+              <a:t>InterruptedException</a:t>
+            </a:r>
+            <a:r>
+              <a:rPr lang="en-US" sz="2000" dirty="0">
+                <a:latin typeface="Consolas" panose="020B0609020204030204" pitchFamily="49" charset="0"/>
+                <a:cs typeface="Consolas" panose="020B0609020204030204" pitchFamily="49" charset="0"/>
+              </a:rPr>
+              <a:t> ex) { }</a:t>
+            </a:r>
+          </a:p>
+          <a:p>
+            <a:endParaRPr lang="en-US" sz="2000" dirty="0"/>
+          </a:p>
+        </p:txBody>
+      </p:sp>
+      <p:pic>
+        <p:nvPicPr>
+          <p:cNvPr id="5" name="Picture 4" descr="thread-states.png">
+            <a:extLst>
+              <a:ext uri="{FF2B5EF4-FFF2-40B4-BE49-F238E27FC236}">
+                <a16:creationId xmlns:a16="http://schemas.microsoft.com/office/drawing/2014/main" id="{A82C1C0E-E793-3544-AAB1-D79B3447A068}"/>
+              </a:ext>
+            </a:extLst>
+          </p:cNvPr>
+          <p:cNvPicPr>
+            <a:picLocks noChangeAspect="1"/>
+          </p:cNvPicPr>
+          <p:nvPr/>
+        </p:nvPicPr>
+        <p:blipFill>
+          <a:blip r:embed="rId2">
+            <a:extLst>
+              <a:ext uri="{28A0092B-C50C-407E-A947-70E740481C1C}">
+                <a14:useLocalDpi xmlns:a14="http://schemas.microsoft.com/office/drawing/2010/main" val="0"/>
+              </a:ext>
+            </a:extLst>
+          </a:blip>
+          <a:stretch>
+            <a:fillRect/>
+          </a:stretch>
+        </p:blipFill>
+        <p:spPr>
+          <a:xfrm>
+            <a:off x="4492257" y="1600200"/>
+            <a:ext cx="4651744" cy="3163186"/>
+          </a:xfrm>
+          <a:prstGeom prst="rect">
+            <a:avLst/>
+          </a:prstGeom>
+        </p:spPr>
+      </p:pic>
     </p:spTree>
     <p:extLst>
       <p:ext uri="{BB962C8B-B14F-4D97-AF65-F5344CB8AC3E}">
-        <p14:creationId xmlns:p14="http://schemas.microsoft.com/office/powerpoint/2010/main" val="3277401054"/>
+        <p14:creationId xmlns:p14="http://schemas.microsoft.com/office/powerpoint/2010/main" val="559429132"/>
       </p:ext>
     </p:extLst>
   </p:cSld>
@@ -6842,7 +7548,7 @@
         <p:spPr/>
         <p:txBody>
           <a:bodyPr>
-            <a:normAutofit lnSpcReduction="10000"/>
+            <a:normAutofit/>
           </a:bodyPr>
           <a:lstStyle/>
           <a:p>
@@ -6852,6 +7558,7 @@
             </a:r>
           </a:p>
           <a:p>
+            <a:pPr lvl="1"/>
             <a:r>
               <a:rPr lang="en-US" dirty="0">
                 <a:solidFill>
@@ -6866,6 +7573,7 @@
             </a:r>
           </a:p>
           <a:p>
+            <a:pPr lvl="1"/>
             <a:r>
               <a:rPr lang="en-US" dirty="0">
                 <a:solidFill>
@@ -6880,6 +7588,7 @@
             </a:r>
           </a:p>
           <a:p>
+            <a:pPr lvl="1"/>
             <a:r>
               <a:rPr lang="en-US" dirty="0">
                 <a:solidFill>
@@ -6985,7 +7694,7 @@
                 <a:latin typeface="Consolas"/>
                 <a:cs typeface="Consolas"/>
               </a:rPr>
-              <a:t>	// Sleep for 1 min</a:t>
+              <a:t>	// Sleep for 1 second</a:t>
             </a:r>
           </a:p>
           <a:p>
@@ -7011,7 +7720,7 @@
                 <a:latin typeface="Consolas"/>
                 <a:cs typeface="Consolas"/>
               </a:rPr>
-              <a:t>(60 * 1000);</a:t>
+              <a:t>(1000);</a:t>
             </a:r>
           </a:p>
           <a:p>
@@ -7256,7 +7965,7 @@
         <p:spPr/>
         <p:txBody>
           <a:bodyPr>
-            <a:normAutofit fontScale="92500"/>
+            <a:normAutofit/>
           </a:bodyPr>
           <a:lstStyle/>
           <a:p>
@@ -7270,143 +7979,6 @@
               <a:rPr lang="en-US" dirty="0"/>
               <a:t>Frequently used when computation is not possible (no work to do) in a specific time slice. </a:t>
             </a:r>
-          </a:p>
-          <a:p>
-            <a:endParaRPr lang="en-US" dirty="0"/>
-          </a:p>
-          <a:p>
-            <a:pPr marL="0" indent="0">
-              <a:buNone/>
-            </a:pPr>
-            <a:r>
-              <a:rPr lang="en-US" sz="1600" b="1" dirty="0">
-                <a:latin typeface="Consolas"/>
-                <a:cs typeface="Consolas"/>
-              </a:rPr>
-              <a:t>public class Hamlet implements Runnable { </a:t>
-            </a:r>
-          </a:p>
-          <a:p>
-            <a:pPr marL="0" indent="0">
-              <a:buNone/>
-            </a:pPr>
-            <a:r>
-              <a:rPr lang="en-US" sz="1600" b="1" dirty="0">
-                <a:latin typeface="Consolas"/>
-                <a:cs typeface="Consolas"/>
-              </a:rPr>
-              <a:t>public void run() {</a:t>
-            </a:r>
-          </a:p>
-          <a:p>
-            <a:pPr marL="0" indent="0">
-              <a:buNone/>
-            </a:pPr>
-            <a:r>
-              <a:rPr lang="en-US" sz="1600" b="1" dirty="0">
-                <a:latin typeface="Consolas"/>
-                <a:cs typeface="Consolas"/>
-              </a:rPr>
-              <a:t>	while (true){ </a:t>
-            </a:r>
-          </a:p>
-          <a:p>
-            <a:pPr marL="0" indent="0">
-              <a:buNone/>
-            </a:pPr>
-            <a:r>
-              <a:rPr lang="en-US" sz="1600" b="1" dirty="0">
-                <a:latin typeface="Consolas"/>
-                <a:cs typeface="Consolas"/>
-              </a:rPr>
-              <a:t>		</a:t>
-            </a:r>
-            <a:r>
-              <a:rPr lang="en-US" sz="1600" b="1" dirty="0" err="1">
-                <a:latin typeface="Consolas"/>
-                <a:cs typeface="Consolas"/>
-              </a:rPr>
-              <a:t>System.out.println</a:t>
-            </a:r>
-            <a:r>
-              <a:rPr lang="en-US" sz="1600" b="1" dirty="0">
-                <a:latin typeface="Consolas"/>
-                <a:cs typeface="Consolas"/>
-              </a:rPr>
-              <a:t>(</a:t>
-            </a:r>
-            <a:r>
-              <a:rPr lang="en-US" sz="1600" b="1" dirty="0" err="1">
-                <a:latin typeface="Consolas"/>
-                <a:cs typeface="Consolas"/>
-              </a:rPr>
-              <a:t>Thread.currentThread</a:t>
-            </a:r>
-            <a:r>
-              <a:rPr lang="en-US" sz="1600" b="1" dirty="0">
-                <a:latin typeface="Consolas"/>
-                <a:cs typeface="Consolas"/>
-              </a:rPr>
-              <a:t>().</a:t>
-            </a:r>
-            <a:r>
-              <a:rPr lang="en-US" sz="1600" b="1" dirty="0" err="1">
-                <a:latin typeface="Consolas"/>
-                <a:cs typeface="Consolas"/>
-              </a:rPr>
-              <a:t>getName</a:t>
-            </a:r>
-            <a:r>
-              <a:rPr lang="en-US" sz="1600" b="1" dirty="0">
-                <a:latin typeface="Consolas"/>
-                <a:cs typeface="Consolas"/>
-              </a:rPr>
-              <a:t>()); 					</a:t>
-            </a:r>
-            <a:r>
-              <a:rPr lang="en-US" sz="1600" b="1" dirty="0" err="1">
-                <a:latin typeface="Consolas"/>
-                <a:cs typeface="Consolas"/>
-              </a:rPr>
-              <a:t>Thread.yield</a:t>
-            </a:r>
-            <a:r>
-              <a:rPr lang="en-US" sz="1600" b="1" dirty="0">
-                <a:latin typeface="Consolas"/>
-                <a:cs typeface="Consolas"/>
-              </a:rPr>
-              <a:t>(); // allow other thread to run</a:t>
-            </a:r>
-          </a:p>
-          <a:p>
-            <a:pPr marL="0" indent="0">
-              <a:buNone/>
-            </a:pPr>
-            <a:r>
-              <a:rPr lang="en-US" sz="1600" b="1" dirty="0">
-                <a:latin typeface="Consolas"/>
-                <a:cs typeface="Consolas"/>
-              </a:rPr>
-              <a:t>	}</a:t>
-            </a:r>
-          </a:p>
-          <a:p>
-            <a:pPr marL="0" indent="0">
-              <a:buNone/>
-            </a:pPr>
-            <a:r>
-              <a:rPr lang="en-US" sz="1600" b="1" dirty="0">
-                <a:latin typeface="Consolas"/>
-                <a:cs typeface="Consolas"/>
-              </a:rPr>
-              <a:t>}</a:t>
-            </a:r>
-          </a:p>
-          <a:p>
-            <a:pPr marL="0" indent="0">
-              <a:buNone/>
-            </a:pPr>
-            <a:endParaRPr lang="en-US" dirty="0"/>
           </a:p>
         </p:txBody>
       </p:sp>
@@ -7495,21 +8067,37 @@
             </a:r>
             <a:r>
               <a:rPr lang="en-US" dirty="0"/>
-              <a:t>Thread join has the following activities, assuming that a parent thread P wants to join with one of its child threads C.</a:t>
+              <a:t>Thread join has the following activities, assuming that a parent thread P wants to join with one of its child threads C</a:t>
             </a:r>
           </a:p>
           <a:p>
             <a:pPr lvl="1"/>
             <a:r>
               <a:rPr lang="en-US" dirty="0"/>
-              <a:t>When P executes a thread join in order to join with C, which is still running, P is suspended until C terminates. Once C terminates, P resumes.</a:t>
+              <a:t>When P executes </a:t>
+            </a:r>
+            <a:r>
+              <a:rPr lang="en-US" dirty="0" err="1"/>
+              <a:t>Thread.join</a:t>
+            </a:r>
+            <a:r>
+              <a:rPr lang="en-US" dirty="0"/>
+              <a:t>() in order to join with C, which is still running, P is suspended until C terminates. Once C terminates, P resumes</a:t>
             </a:r>
           </a:p>
           <a:p>
             <a:pPr lvl="1"/>
             <a:r>
               <a:rPr lang="en-US" dirty="0"/>
-              <a:t>When P executes a thread join and C has already terminated, P continues as if no such thread join has ever executed (i.e., join has no effect).</a:t>
+              <a:t>When P executes </a:t>
+            </a:r>
+            <a:r>
+              <a:rPr lang="en-US" dirty="0" err="1"/>
+              <a:t>Thread.join</a:t>
+            </a:r>
+            <a:r>
+              <a:rPr lang="en-US" dirty="0"/>
+              <a:t>() and C has already terminated, P continues as if no such thread join has ever executed</a:t>
             </a:r>
           </a:p>
         </p:txBody>
@@ -7656,7 +8244,7 @@
             </a:pPr>
             <a:r>
               <a:rPr lang="en-US" dirty="0"/>
-              <a:t>Current thread (caller) move to Waiting state and it will be Runnable when thread t is dead. A timeout can be set to wait for a thread’s end</a:t>
+              <a:t>Caller move to Waiting state and it will be Runnable when thread t is dead. A timeout can be set to wait for a thread’s end</a:t>
             </a:r>
             <a:endParaRPr lang="en-US" sz="1800" b="1" dirty="0">
               <a:latin typeface="Courier New"/>
@@ -7778,7 +8366,7 @@
         <p:spPr/>
         <p:txBody>
           <a:bodyPr>
-            <a:normAutofit fontScale="92500" lnSpcReduction="20000"/>
+            <a:normAutofit fontScale="92500" lnSpcReduction="10000"/>
           </a:bodyPr>
           <a:lstStyle/>
           <a:p>
@@ -7850,11 +8438,11 @@
                   </a:schemeClr>
                 </a:solidFill>
               </a:rPr>
-              <a:t>they are static methods of the Thread </a:t>
-            </a:r>
-            <a:r>
-              <a:rPr lang="en-US" dirty="0"/>
-              <a:t>class:</a:t>
+              <a:t>they are static methods of Thread</a:t>
+            </a:r>
+            <a:r>
+              <a:rPr lang="en-US" dirty="0"/>
+              <a:t>:</a:t>
             </a:r>
           </a:p>
           <a:p>
@@ -7937,7 +8525,7 @@
           <a:p>
             <a:r>
               <a:rPr lang="en-US" dirty="0"/>
-              <a:t>Processes</a:t>
+              <a:t>Threads</a:t>
             </a:r>
           </a:p>
         </p:txBody>
@@ -7955,78 +8543,35 @@
         <p:spPr/>
         <p:txBody>
           <a:bodyPr>
-            <a:normAutofit fontScale="92500" lnSpcReduction="10000"/>
+            <a:normAutofit/>
           </a:bodyPr>
           <a:lstStyle/>
           <a:p>
-            <a:r>
-              <a:rPr lang="en-US" dirty="0"/>
-              <a:t>In operating systems (OS), </a:t>
-            </a:r>
             <a:r>
               <a:rPr lang="en-US" dirty="0">
                 <a:solidFill>
                   <a:srgbClr val="E46C0A"/>
                 </a:solidFill>
               </a:rPr>
-              <a:t>a process is an instance of a running application</a:t>
-            </a:r>
-          </a:p>
-          <a:p>
-            <a:r>
-              <a:rPr lang="en-US" dirty="0"/>
-              <a:t>A  process has it own private address space, code,  data, opened files, etc..</a:t>
-            </a:r>
-          </a:p>
-          <a:p>
-            <a:r>
-              <a:rPr lang="en-US" dirty="0">
-                <a:solidFill>
-                  <a:srgbClr val="E46C0A"/>
-                </a:solidFill>
-              </a:rPr>
-              <a:t>Processes do not share memory </a:t>
-            </a:r>
-            <a:r>
-              <a:rPr lang="en-US" dirty="0"/>
-              <a:t>(separate address spaces), thus they must communicate through IPC mechanisms offered by the operative systems (i.e., pipes, signals)</a:t>
-            </a:r>
-          </a:p>
-          <a:p>
-            <a:r>
-              <a:rPr lang="en-US" dirty="0"/>
-              <a:t>A </a:t>
-            </a:r>
-            <a:r>
-              <a:rPr lang="en-US" dirty="0">
-                <a:solidFill>
-                  <a:schemeClr val="accent6">
-                    <a:lumMod val="75000"/>
-                  </a:schemeClr>
-                </a:solidFill>
-              </a:rPr>
-              <a:t>process might contain one or more threads   </a:t>
-            </a:r>
-            <a:r>
-              <a:rPr lang="en-US" dirty="0"/>
-              <a:t>running within the context of the process.</a:t>
-            </a:r>
-          </a:p>
-          <a:p>
-            <a:endParaRPr lang="en-US" dirty="0"/>
-          </a:p>
-          <a:p>
-            <a:endParaRPr lang="en-US" dirty="0"/>
-          </a:p>
-          <a:p>
-            <a:endParaRPr lang="en-US" dirty="0"/>
+              <a:t>Every Java program must have at least one thread, the main() thread</a:t>
+            </a:r>
+            <a:r>
+              <a:rPr lang="en-US" dirty="0"/>
+              <a:t>. When a program starts running, the JVM creates a new thread and calls the main() method </a:t>
+            </a:r>
+          </a:p>
+          <a:p>
+            <a:r>
+              <a:rPr lang="en-US" dirty="0"/>
+              <a:t>There are other threads created by the JVM that users usually don’t interact with explicitly (e.g., garbage collector)</a:t>
+            </a:r>
           </a:p>
         </p:txBody>
       </p:sp>
     </p:spTree>
     <p:extLst>
       <p:ext uri="{BB962C8B-B14F-4D97-AF65-F5344CB8AC3E}">
-        <p14:creationId xmlns:p14="http://schemas.microsoft.com/office/powerpoint/2010/main" val="2022856500"/>
+        <p14:creationId xmlns:p14="http://schemas.microsoft.com/office/powerpoint/2010/main" val="3690956885"/>
       </p:ext>
     </p:extLst>
   </p:cSld>
@@ -8070,7 +8615,7 @@
           <a:p>
             <a:r>
               <a:rPr lang="en-US" dirty="0"/>
-              <a:t>Threads</a:t>
+              <a:t>JVM and Operating System</a:t>
             </a:r>
           </a:p>
         </p:txBody>
@@ -8088,121 +8633,83 @@
         <p:spPr/>
         <p:txBody>
           <a:bodyPr>
-            <a:noAutofit/>
+            <a:normAutofit/>
           </a:bodyPr>
           <a:lstStyle/>
           <a:p>
             <a:r>
-              <a:rPr lang="en-US" sz="2500" dirty="0"/>
-              <a:t>Threads are sometimes called </a:t>
-            </a:r>
-            <a:r>
-              <a:rPr lang="en-US" sz="2500" dirty="0">
+              <a:rPr lang="en-US" sz="2800" dirty="0"/>
+              <a:t>A </a:t>
+            </a:r>
+            <a:r>
+              <a:rPr lang="en-US" sz="2800" dirty="0">
                 <a:solidFill>
                   <a:schemeClr val="accent6">
                     <a:lumMod val="75000"/>
                   </a:schemeClr>
                 </a:solidFill>
               </a:rPr>
-              <a:t>lightweight processes</a:t>
-            </a:r>
-            <a:r>
-              <a:rPr lang="en-US" sz="2500" dirty="0"/>
-              <a:t>. </a:t>
-            </a:r>
-          </a:p>
-          <a:p>
-            <a:r>
-              <a:rPr lang="en-US" sz="2500" dirty="0"/>
-              <a:t>Like processes, </a:t>
-            </a:r>
-            <a:r>
-              <a:rPr lang="en-US" sz="2500" dirty="0">
+              <a:t>multitasking	operating	system	assigns	CPU time (slices) to processes/threads</a:t>
+            </a:r>
+            <a:r>
+              <a:rPr lang="en-US" sz="2800" dirty="0"/>
+              <a:t> via a kernel component called </a:t>
+            </a:r>
+            <a:r>
+              <a:rPr lang="en-US" sz="2800" i="1" dirty="0"/>
+              <a:t>scheduler</a:t>
+            </a:r>
+          </a:p>
+          <a:p>
+            <a:r>
+              <a:rPr lang="en-US" sz="2800" dirty="0">
                 <a:solidFill>
                   <a:schemeClr val="accent6">
                     <a:lumMod val="75000"/>
                   </a:schemeClr>
                 </a:solidFill>
               </a:rPr>
-              <a:t>they work independently and each thread has its own stack, program counter, and local variables. </a:t>
-            </a:r>
-          </a:p>
-          <a:p>
-            <a:r>
-              <a:rPr lang="en-US" sz="2500" dirty="0"/>
-              <a:t>However, </a:t>
-            </a:r>
-            <a:r>
-              <a:rPr lang="en-US" sz="2500" dirty="0">
+              <a:t>Preemption</a:t>
+            </a:r>
+            <a:r>
+              <a:rPr lang="en-US" sz="2800" dirty="0"/>
+              <a:t> is defined as the ability of the scheduler to suspend a process/thread before the end of its execution (i.e., when its time slice is over)</a:t>
+            </a:r>
+            <a:endParaRPr lang="en-US" sz="2800" i="1" dirty="0"/>
+          </a:p>
+          <a:p>
+            <a:r>
+              <a:rPr lang="en-US" sz="2800" dirty="0"/>
+              <a:t>Small time-slices (5-20ms) provide the </a:t>
+            </a:r>
+            <a:r>
+              <a:rPr lang="en-US" sz="2800" dirty="0">
                 <a:solidFill>
                   <a:srgbClr val="E46C0A"/>
                 </a:solidFill>
               </a:rPr>
-              <a:t>threads within the same process are less insulated from each other </a:t>
-            </a:r>
-            <a:r>
-              <a:rPr lang="en-US" sz="2500" dirty="0"/>
-              <a:t>than processes. They share the same address space and, consequently, have access to shared variables and objects. </a:t>
-            </a:r>
-          </a:p>
-          <a:p>
-            <a:r>
-              <a:rPr lang="en-US" sz="2500" dirty="0">
-                <a:solidFill>
-                  <a:schemeClr val="accent6">
-                    <a:lumMod val="75000"/>
-                  </a:schemeClr>
-                </a:solidFill>
-              </a:rPr>
-              <a:t>Sharing variables is very fast way for communicating but frequently causes bugs unseen in single-thread programs. </a:t>
-            </a:r>
-          </a:p>
-          <a:p>
-            <a:r>
-              <a:rPr lang="en-US" sz="2500" dirty="0">
-                <a:solidFill>
-                  <a:schemeClr val="accent6">
-                    <a:lumMod val="75000"/>
-                  </a:schemeClr>
-                </a:solidFill>
-              </a:rPr>
-              <a:t>OOP principle of </a:t>
-            </a:r>
-            <a:r>
-              <a:rPr lang="en-US" sz="2500" i="1" dirty="0">
-                <a:solidFill>
-                  <a:schemeClr val="accent6">
-                    <a:lumMod val="75000"/>
-                  </a:schemeClr>
-                </a:solidFill>
-              </a:rPr>
-              <a:t>separation of concerns</a:t>
-            </a:r>
-            <a:r>
-              <a:rPr lang="en-US" sz="2500" dirty="0">
-                <a:solidFill>
-                  <a:schemeClr val="accent6">
-                    <a:lumMod val="75000"/>
-                  </a:schemeClr>
-                </a:solidFill>
-              </a:rPr>
-              <a:t> is broken</a:t>
-            </a:r>
-            <a:r>
-              <a:rPr lang="en-US" sz="2500" dirty="0">
-                <a:solidFill>
-                  <a:srgbClr val="E46C0A"/>
-                </a:solidFill>
-              </a:rPr>
-              <a:t>!</a:t>
-            </a:r>
+              <a:t>illusion of parallelism of different processes/threads </a:t>
+            </a:r>
+            <a:r>
+              <a:rPr lang="en-US" sz="2800" dirty="0"/>
+              <a:t>(on multi-core machines it is a partial illusion)</a:t>
+            </a:r>
+          </a:p>
+          <a:p>
+            <a:endParaRPr lang="en-US" sz="2800" dirty="0"/>
+          </a:p>
+          <a:p>
+            <a:endParaRPr lang="en-US" sz="2800" dirty="0"/>
+          </a:p>
+          <a:p>
+            <a:endParaRPr lang="en-US" sz="2800" dirty="0"/>
           </a:p>
         </p:txBody>
       </p:sp>
     </p:spTree>
     <p:extLst>
       <p:ext uri="{BB962C8B-B14F-4D97-AF65-F5344CB8AC3E}">
-        <p14:creationId xmlns:p14="http://schemas.microsoft.com/office/powerpoint/2010/main" val="1144271564"/>
+        <p14:creationId xmlns:p14="http://schemas.microsoft.com/office/powerpoint/2010/main" val="1454361162"/>
       </p:ext>
     </p:extLst>
   </p:cSld>
@@ -8246,7 +8753,7 @@
           <a:p>
             <a:r>
               <a:rPr lang="en-US" dirty="0"/>
-              <a:t>Threads</a:t>
+              <a:t>JVM and Operating System</a:t>
             </a:r>
           </a:p>
         </p:txBody>
@@ -8264,35 +8771,72 @@
         <p:spPr/>
         <p:txBody>
           <a:bodyPr>
-            <a:normAutofit/>
+            <a:noAutofit/>
           </a:bodyPr>
           <a:lstStyle/>
           <a:p>
+            <a:r>
+              <a:rPr lang="en-US" sz="2800" dirty="0"/>
+              <a:t>The JVM is a process and gets the CPU as assigned by the OS’s scheduler</a:t>
+            </a:r>
+          </a:p>
+          <a:p>
+            <a:r>
+              <a:rPr lang="en-US" sz="2800" dirty="0">
+                <a:solidFill>
+                  <a:schemeClr val="accent6">
+                    <a:lumMod val="75000"/>
+                  </a:schemeClr>
+                </a:solidFill>
+              </a:rPr>
+              <a:t>Java is a specification with many different implementations*</a:t>
+            </a:r>
+          </a:p>
+          <a:p>
+            <a:pPr lvl="1"/>
+            <a:r>
+              <a:rPr lang="en-US" dirty="0"/>
+              <a:t>Some JVMs operate like a mini-OS and schedule their own threads</a:t>
+            </a:r>
+          </a:p>
+          <a:p>
+            <a:pPr lvl="1"/>
             <a:r>
               <a:rPr lang="en-US" dirty="0">
                 <a:solidFill>
                   <a:srgbClr val="E46C0A"/>
                 </a:solidFill>
               </a:rPr>
-              <a:t>Every Java program must have at least one thread, the main thread</a:t>
-            </a:r>
-            <a:r>
-              <a:rPr lang="en-US" dirty="0"/>
-              <a:t>. When the program starts running, the JVM creates this thread and calls the main() method within that thread.</a:t>
-            </a:r>
-          </a:p>
-          <a:p>
-            <a:r>
-              <a:rPr lang="en-US" dirty="0"/>
-              <a:t>There are other threads created by the JVM that users usually don't notice (e.g., garbage collector).</a:t>
-            </a:r>
+              <a:t>Most JVMs use the OS scheduler (a Java thread is actually mapped to a system thread)</a:t>
+            </a:r>
+            <a:endParaRPr lang="en-US" dirty="0"/>
+          </a:p>
+          <a:p>
+            <a:pPr marL="0" lvl="1" indent="0">
+              <a:buNone/>
+            </a:pPr>
+            <a:r>
+              <a:rPr lang="en-US" sz="2400" dirty="0"/>
+              <a:t>*</a:t>
+            </a:r>
+            <a:r>
+              <a:rPr lang="en-US" sz="2400" dirty="0">
+                <a:hlinkClick r:id="rId2"/>
+              </a:rPr>
+              <a:t>https://en.wikipedia.org/wiki/List_of_Java_virtual_machines</a:t>
+            </a:r>
+            <a:endParaRPr lang="en-US" sz="2400" dirty="0">
+              <a:solidFill>
+                <a:srgbClr val="E46C0A"/>
+              </a:solidFill>
+            </a:endParaRPr>
           </a:p>
         </p:txBody>
       </p:sp>
     </p:spTree>
     <p:extLst>
       <p:ext uri="{BB962C8B-B14F-4D97-AF65-F5344CB8AC3E}">
-        <p14:creationId xmlns:p14="http://schemas.microsoft.com/office/powerpoint/2010/main" val="3690956885"/>
+        <p14:creationId xmlns:p14="http://schemas.microsoft.com/office/powerpoint/2010/main" val="2954736820"/>
       </p:ext>
     </p:extLst>
   </p:cSld>
@@ -8336,7 +8880,7 @@
           <a:p>
             <a:r>
               <a:rPr lang="en-US" dirty="0"/>
-              <a:t>Threads</a:t>
+              <a:t>Why threads ?</a:t>
             </a:r>
           </a:p>
         </p:txBody>
@@ -8354,21 +8898,13 @@
         <p:spPr/>
         <p:txBody>
           <a:bodyPr>
-            <a:normAutofit fontScale="92500" lnSpcReduction="10000"/>
+            <a:normAutofit fontScale="92500"/>
           </a:bodyPr>
           <a:lstStyle/>
           <a:p>
             <a:r>
               <a:rPr lang="en-US" dirty="0"/>
-              <a:t>There are many reasons to use threads in your Java programs. If you use Android, Swing, </a:t>
-            </a:r>
-            <a:r>
-              <a:rPr lang="en-US" dirty="0" err="1"/>
-              <a:t>JavaFX</a:t>
-            </a:r>
-            <a:r>
-              <a:rPr lang="en-US" dirty="0"/>
-              <a:t>, Servlets, RMI, or Enterprise JavaBeans (EJB) technology, you may already be using threads without realizing it. </a:t>
+              <a:t>There are many reasons to use threads in your Java programs. If you use Android, Swing, JavaFX, Servlets, RMI, JavaBeans (EJB) you may already be using threads without realizing it. </a:t>
             </a:r>
           </a:p>
           <a:p>
@@ -8481,26 +9017,14 @@
           <a:p>
             <a:r>
               <a:rPr lang="en-US" dirty="0"/>
-              <a:t>Imagine a </a:t>
-            </a:r>
-            <a:r>
-              <a:rPr lang="en-US" dirty="0">
-                <a:solidFill>
-                  <a:srgbClr val="E46C0A"/>
-                </a:solidFill>
-              </a:rPr>
-              <a:t>stock-broker application </a:t>
-            </a:r>
-            <a:r>
-              <a:rPr lang="en-US" dirty="0"/>
-              <a:t>with three capabilities:</a:t>
+              <a:t>Imagine a stock-broker application with three key capabilities:</a:t>
             </a:r>
           </a:p>
           <a:p>
             <a:pPr lvl="1"/>
             <a:r>
               <a:rPr lang="en-US" dirty="0"/>
-              <a:t>Download current stock prices</a:t>
+              <a:t>Download stock prices</a:t>
             </a:r>
           </a:p>
           <a:p>
@@ -8514,14 +9038,7 @@
             <a:pPr lvl="1"/>
             <a:r>
               <a:rPr lang="en-US" dirty="0"/>
-              <a:t>Short-term (5 days) analysis for buy/sell signals</a:t>
-            </a:r>
-          </a:p>
-          <a:p>
-            <a:pPr lvl="1"/>
-            <a:r>
-              <a:rPr lang="en-US" dirty="0"/>
-              <a:t>Long-term (1 year) analysis for buy/sell signals</a:t>
+              <a:t>Short-term analysis (1 hour) for buy/sell signals</a:t>
             </a:r>
           </a:p>
         </p:txBody>
@@ -8607,11 +9124,8 @@
                   <a:srgbClr val="E46C0A"/>
                 </a:solidFill>
               </a:rPr>
-              <a:t>single-threaded runtime environment, actions execute one after another</a:t>
-            </a:r>
-          </a:p>
-          <a:p>
-            <a:pPr lvl="1"/>
+              <a:t>single-threaded runtime environment, actions execute one after another. </a:t>
+            </a:r>
             <a:r>
               <a:rPr lang="en-US" dirty="0"/>
               <a:t>An action happens only when the previous one is completed.</a:t>
@@ -8620,7 +9134,7 @@
           <a:p>
             <a:r>
               <a:rPr lang="en-US" dirty="0"/>
-              <a:t>If the download takes 5 minutes, should the user enjoy an </a:t>
+              <a:t>If the download takes 10 minutes, should the user enjoy an </a:t>
             </a:r>
             <a:r>
               <a:rPr lang="en-US" dirty="0">
@@ -8640,7 +9154,7 @@
           <a:p>
             <a:r>
               <a:rPr lang="en-US" dirty="0"/>
-              <a:t>If short-term analysis takes additional 10 minutes…the result may have come too late. Prices could already have changed!</a:t>
+              <a:t>If short-term analysis takes additional 10 minute the result may come too late. Prices could already have changed significantly!</a:t>
             </a:r>
           </a:p>
           <a:p>
